--- a/论文/绘图/系统架构图.pptx
+++ b/论文/绘图/系统架构图.pptx
@@ -2916,517 +2916,39 @@
       <p:grpSpPr/>
       <p:grpSp>
         <p:nvGrpSpPr>
-          <p:cNvPr id="57" name="组合 56"/>
+          <p:cNvPr id="15" name="组合 14"/>
           <p:cNvGrpSpPr/>
           <p:nvPr/>
         </p:nvGrpSpPr>
         <p:grpSpPr>
-          <a:xfrm>
-            <a:off x="3459480" y="304165"/>
-            <a:ext cx="5555615" cy="6155690"/>
-            <a:chOff x="5448" y="479"/>
-            <a:chExt cx="8749" cy="9694"/>
+          <a:xfrm rot="0">
+            <a:off x="3459480" y="1640205"/>
+            <a:ext cx="5554980" cy="3483610"/>
+            <a:chOff x="5448" y="2930"/>
+            <a:chExt cx="8748" cy="5486"/>
           </a:xfrm>
         </p:grpSpPr>
-        <p:grpSp>
-          <p:nvGrpSpPr>
-            <p:cNvPr id="15" name="组合 14"/>
-            <p:cNvGrpSpPr/>
-            <p:nvPr/>
-          </p:nvGrpSpPr>
-          <p:grpSpPr>
-            <a:xfrm>
-              <a:off x="5448" y="2583"/>
-              <a:ext cx="8748" cy="5486"/>
-              <a:chOff x="5448" y="2930"/>
-              <a:chExt cx="8748" cy="5486"/>
-            </a:xfrm>
-          </p:grpSpPr>
-          <p:sp>
-            <p:nvSpPr>
-              <p:cNvPr id="5" name="矩形 4"/>
-              <p:cNvSpPr/>
-              <p:nvPr/>
-            </p:nvSpPr>
-            <p:spPr>
-              <a:xfrm>
-                <a:off x="5448" y="2930"/>
-                <a:ext cx="8748" cy="5487"/>
-              </a:xfrm>
-              <a:prstGeom prst="rect">
-                <a:avLst/>
-              </a:prstGeom>
-              <a:noFill/>
-              <a:ln w="19050" cmpd="sng">
-                <a:solidFill>
-                  <a:schemeClr val="accent1"/>
-                </a:solidFill>
-                <a:prstDash val="dash"/>
-              </a:ln>
-              <a:extLst>
-                <a:ext uri="{909E8E84-426E-40DD-AFC4-6F175D3DCCD1}">
-                  <a14:hiddenFill xmlns:a14="http://schemas.microsoft.com/office/drawing/2010/main">
-                    <a:solidFill>
-                      <a:schemeClr val="accent1"/>
-                    </a:solidFill>
-                  </a14:hiddenFill>
-                </a:ext>
-              </a:extLst>
-            </p:spPr>
-            <p:style>
-              <a:lnRef idx="2">
-                <a:schemeClr val="accent1">
-                  <a:lumMod val="75000"/>
-                </a:schemeClr>
-              </a:lnRef>
-              <a:fillRef idx="1">
-                <a:schemeClr val="accent1"/>
-              </a:fillRef>
-              <a:effectRef idx="0">
-                <a:srgbClr val="FFFFFF"/>
-              </a:effectRef>
-              <a:fontRef idx="minor">
-                <a:schemeClr val="lt1"/>
-              </a:fontRef>
-            </p:style>
-            <p:txBody>
-              <a:bodyPr rtlCol="0" anchor="ctr"/>
-              <a:p>
-                <a:pPr algn="ctr"/>
-                <a:endParaRPr lang="zh-CN" altLang="en-US"/>
-              </a:p>
-            </p:txBody>
-          </p:sp>
-          <p:sp>
-            <p:nvSpPr>
-              <p:cNvPr id="8" name="矩形 7"/>
-              <p:cNvSpPr/>
-              <p:nvPr/>
-            </p:nvSpPr>
-            <p:spPr>
-              <a:xfrm>
-                <a:off x="5631" y="3101"/>
-                <a:ext cx="8385" cy="405"/>
-              </a:xfrm>
-              <a:prstGeom prst="rect">
-                <a:avLst/>
-              </a:prstGeom>
-            </p:spPr>
-            <p:style>
-              <a:lnRef idx="2">
-                <a:schemeClr val="accent1">
-                  <a:lumMod val="75000"/>
-                </a:schemeClr>
-              </a:lnRef>
-              <a:fillRef idx="1">
-                <a:schemeClr val="accent1"/>
-              </a:fillRef>
-              <a:effectRef idx="0">
-                <a:srgbClr val="FFFFFF"/>
-              </a:effectRef>
-              <a:fontRef idx="minor">
-                <a:schemeClr val="lt1"/>
-              </a:fontRef>
-            </p:style>
-            <p:txBody>
-              <a:bodyPr rtlCol="0" anchor="ctr"/>
-              <a:p>
-                <a:pPr algn="ctr"/>
-                <a:r>
-                  <a:rPr lang="en-US" altLang="zh-CN" b="1">
-                    <a:latin typeface="微软雅黑" panose="020B0503020204020204" charset="-122"/>
-                    <a:ea typeface="微软雅黑" panose="020B0503020204020204" charset="-122"/>
-                    <a:cs typeface="微软雅黑" panose="020B0503020204020204" charset="-122"/>
-                  </a:rPr>
-                  <a:t>Web</a:t>
-                </a:r>
-                <a:r>
-                  <a:rPr lang="zh-CN" altLang="en-US" b="1">
-                    <a:latin typeface="微软雅黑" panose="020B0503020204020204" charset="-122"/>
-                    <a:ea typeface="微软雅黑" panose="020B0503020204020204" charset="-122"/>
-                    <a:cs typeface="微软雅黑" panose="020B0503020204020204" charset="-122"/>
-                  </a:rPr>
-                  <a:t>服务器</a:t>
-                </a:r>
-                <a:endParaRPr lang="zh-CN" altLang="en-US" b="1">
-                  <a:latin typeface="微软雅黑" panose="020B0503020204020204" charset="-122"/>
-                  <a:ea typeface="微软雅黑" panose="020B0503020204020204" charset="-122"/>
-                  <a:cs typeface="微软雅黑" panose="020B0503020204020204" charset="-122"/>
-                </a:endParaRPr>
-              </a:p>
-            </p:txBody>
-          </p:sp>
-        </p:grpSp>
-        <p:grpSp>
-          <p:nvGrpSpPr>
-            <p:cNvPr id="14" name="组合 13"/>
-            <p:cNvGrpSpPr/>
-            <p:nvPr/>
-          </p:nvGrpSpPr>
-          <p:grpSpPr>
-            <a:xfrm>
-              <a:off x="5449" y="479"/>
-              <a:ext cx="8748" cy="1315"/>
-              <a:chOff x="5449" y="664"/>
-              <a:chExt cx="8748" cy="1315"/>
-            </a:xfrm>
-          </p:grpSpPr>
-          <p:sp>
-            <p:nvSpPr>
-              <p:cNvPr id="4" name="矩形 3"/>
-              <p:cNvSpPr/>
-              <p:nvPr/>
-            </p:nvSpPr>
-            <p:spPr>
-              <a:xfrm>
-                <a:off x="5449" y="664"/>
-                <a:ext cx="8748" cy="1315"/>
-              </a:xfrm>
-              <a:prstGeom prst="rect">
-                <a:avLst/>
-              </a:prstGeom>
-              <a:noFill/>
-              <a:ln w="19050" cmpd="sng">
-                <a:solidFill>
-                  <a:schemeClr val="accent1"/>
-                </a:solidFill>
-                <a:prstDash val="dash"/>
-              </a:ln>
-              <a:extLst>
-                <a:ext uri="{909E8E84-426E-40DD-AFC4-6F175D3DCCD1}">
-                  <a14:hiddenFill xmlns:a14="http://schemas.microsoft.com/office/drawing/2010/main">
-                    <a:solidFill>
-                      <a:schemeClr val="accent1"/>
-                    </a:solidFill>
-                  </a14:hiddenFill>
-                </a:ext>
-              </a:extLst>
-            </p:spPr>
-            <p:style>
-              <a:lnRef idx="2">
-                <a:schemeClr val="accent1">
-                  <a:lumMod val="75000"/>
-                </a:schemeClr>
-              </a:lnRef>
-              <a:fillRef idx="1">
-                <a:schemeClr val="accent1"/>
-              </a:fillRef>
-              <a:effectRef idx="0">
-                <a:srgbClr val="FFFFFF"/>
-              </a:effectRef>
-              <a:fontRef idx="minor">
-                <a:schemeClr val="lt1"/>
-              </a:fontRef>
-            </p:style>
-            <p:txBody>
-              <a:bodyPr rtlCol="0" anchor="ctr"/>
-              <a:p>
-                <a:pPr algn="ctr"/>
-                <a:endParaRPr lang="zh-CN" altLang="en-US"/>
-              </a:p>
-            </p:txBody>
-          </p:sp>
-          <p:sp>
-            <p:nvSpPr>
-              <p:cNvPr id="7" name="矩形 6"/>
-              <p:cNvSpPr/>
-              <p:nvPr/>
-            </p:nvSpPr>
-            <p:spPr>
-              <a:xfrm>
-                <a:off x="5631" y="795"/>
-                <a:ext cx="8385" cy="405"/>
-              </a:xfrm>
-              <a:prstGeom prst="rect">
-                <a:avLst/>
-              </a:prstGeom>
-            </p:spPr>
-            <p:style>
-              <a:lnRef idx="2">
-                <a:schemeClr val="accent1">
-                  <a:lumMod val="75000"/>
-                </a:schemeClr>
-              </a:lnRef>
-              <a:fillRef idx="1">
-                <a:schemeClr val="accent1"/>
-              </a:fillRef>
-              <a:effectRef idx="0">
-                <a:srgbClr val="FFFFFF"/>
-              </a:effectRef>
-              <a:fontRef idx="minor">
-                <a:schemeClr val="lt1"/>
-              </a:fontRef>
-            </p:style>
-            <p:txBody>
-              <a:bodyPr rtlCol="0" anchor="ctr"/>
-              <a:p>
-                <a:pPr algn="ctr"/>
-                <a:r>
-                  <a:rPr lang="en-US" altLang="zh-CN" b="1">
-                    <a:latin typeface="微软雅黑" panose="020B0503020204020204" charset="-122"/>
-                    <a:ea typeface="微软雅黑" panose="020B0503020204020204" charset="-122"/>
-                    <a:cs typeface="微软雅黑" panose="020B0503020204020204" charset="-122"/>
-                  </a:rPr>
-                  <a:t>Web</a:t>
-                </a:r>
-                <a:r>
-                  <a:rPr lang="zh-CN" altLang="en-US" b="1">
-                    <a:latin typeface="微软雅黑" panose="020B0503020204020204" charset="-122"/>
-                    <a:ea typeface="微软雅黑" panose="020B0503020204020204" charset="-122"/>
-                    <a:cs typeface="微软雅黑" panose="020B0503020204020204" charset="-122"/>
-                  </a:rPr>
-                  <a:t>浏览器</a:t>
-                </a:r>
-                <a:endParaRPr lang="zh-CN" altLang="en-US" b="1">
-                  <a:latin typeface="微软雅黑" panose="020B0503020204020204" charset="-122"/>
-                  <a:ea typeface="微软雅黑" panose="020B0503020204020204" charset="-122"/>
-                  <a:cs typeface="微软雅黑" panose="020B0503020204020204" charset="-122"/>
-                </a:endParaRPr>
-              </a:p>
-            </p:txBody>
-          </p:sp>
-          <p:sp>
-            <p:nvSpPr>
-              <p:cNvPr id="12" name="文本框 11"/>
-              <p:cNvSpPr txBox="1"/>
-              <p:nvPr/>
-            </p:nvSpPr>
-            <p:spPr>
-              <a:xfrm>
-                <a:off x="6623" y="1295"/>
-                <a:ext cx="6400" cy="531"/>
-              </a:xfrm>
-              <a:prstGeom prst="rect">
-                <a:avLst/>
-              </a:prstGeom>
-              <a:noFill/>
-            </p:spPr>
-            <p:txBody>
-              <a:bodyPr wrap="square" rtlCol="0">
-                <a:spAutoFit/>
-              </a:bodyPr>
-              <a:p>
-                <a:pPr algn="ctr">
-                  <a:buClrTx/>
-                  <a:buSzTx/>
-                  <a:buFontTx/>
-                </a:pPr>
-                <a:r>
-                  <a:rPr lang="en-US" altLang="zh-CN" sz="1600">
-                    <a:solidFill>
-                      <a:schemeClr val="tx1"/>
-                    </a:solidFill>
-                    <a:latin typeface="Times New Roman" panose="02020603050405020304" charset="0"/>
-                    <a:ea typeface="微软雅黑" panose="020B0503020204020204" charset="-122"/>
-                    <a:cs typeface="Times New Roman" panose="02020603050405020304" charset="0"/>
-                  </a:rPr>
-                  <a:t>Chrome、Edge</a:t>
-                </a:r>
-                <a:endParaRPr lang="en-US" altLang="zh-CN" sz="1600">
-                  <a:solidFill>
-                    <a:schemeClr val="tx1"/>
-                  </a:solidFill>
-                  <a:latin typeface="Times New Roman" panose="02020603050405020304" charset="0"/>
-                  <a:ea typeface="微软雅黑" panose="020B0503020204020204" charset="-122"/>
-                  <a:cs typeface="Times New Roman" panose="02020603050405020304" charset="0"/>
-                </a:endParaRPr>
-              </a:p>
-            </p:txBody>
-          </p:sp>
-        </p:grpSp>
         <p:sp>
           <p:nvSpPr>
-            <p:cNvPr id="13" name="上下箭头 12"/>
+            <p:cNvPr id="5" name="矩形 4"/>
             <p:cNvSpPr/>
             <p:nvPr/>
           </p:nvSpPr>
           <p:spPr>
             <a:xfrm>
-              <a:off x="9533" y="1845"/>
-              <a:ext cx="581" cy="686"/>
+              <a:off x="5448" y="2930"/>
+              <a:ext cx="8748" cy="5487"/>
             </a:xfrm>
-            <a:prstGeom prst="upDownArrow">
+            <a:prstGeom prst="rect">
               <a:avLst/>
             </a:prstGeom>
             <a:noFill/>
-            <a:extLst>
-              <a:ext uri="{909E8E84-426E-40DD-AFC4-6F175D3DCCD1}">
-                <a14:hiddenFill xmlns:a14="http://schemas.microsoft.com/office/drawing/2010/main">
-                  <a:solidFill>
-                    <a:schemeClr val="accent1"/>
-                  </a:solidFill>
-                </a14:hiddenFill>
-              </a:ext>
-            </a:extLst>
-          </p:spPr>
-          <p:style>
-            <a:lnRef idx="2">
-              <a:schemeClr val="accent1">
-                <a:lumMod val="75000"/>
-              </a:schemeClr>
-            </a:lnRef>
-            <a:fillRef idx="1">
-              <a:schemeClr val="accent1"/>
-            </a:fillRef>
-            <a:effectRef idx="0">
-              <a:srgbClr val="FFFFFF"/>
-            </a:effectRef>
-            <a:fontRef idx="minor">
-              <a:schemeClr val="lt1"/>
-            </a:fontRef>
-          </p:style>
-          <p:txBody>
-            <a:bodyPr rtlCol="0" anchor="ctr"/>
-            <a:p>
-              <a:pPr algn="ctr"/>
-              <a:endParaRPr lang="zh-CN" altLang="en-US"/>
-            </a:p>
-          </p:txBody>
-        </p:sp>
-        <p:grpSp>
-          <p:nvGrpSpPr>
-            <p:cNvPr id="16" name="组合 15"/>
-            <p:cNvGrpSpPr/>
-            <p:nvPr/>
-          </p:nvGrpSpPr>
-          <p:grpSpPr>
-            <a:xfrm>
-              <a:off x="5448" y="8859"/>
-              <a:ext cx="8748" cy="1314"/>
-              <a:chOff x="5448" y="9044"/>
-              <a:chExt cx="8748" cy="1314"/>
-            </a:xfrm>
-          </p:grpSpPr>
-          <p:sp>
-            <p:nvSpPr>
-              <p:cNvPr id="6" name="矩形 5"/>
-              <p:cNvSpPr/>
-              <p:nvPr/>
-            </p:nvSpPr>
-            <p:spPr>
-              <a:xfrm>
-                <a:off x="5448" y="9044"/>
-                <a:ext cx="8748" cy="1315"/>
-              </a:xfrm>
-              <a:prstGeom prst="rect">
-                <a:avLst/>
-              </a:prstGeom>
-              <a:noFill/>
-              <a:ln w="19050" cmpd="sng">
-                <a:solidFill>
-                  <a:schemeClr val="accent1"/>
-                </a:solidFill>
-                <a:prstDash val="dash"/>
-              </a:ln>
-              <a:extLst>
-                <a:ext uri="{909E8E84-426E-40DD-AFC4-6F175D3DCCD1}">
-                  <a14:hiddenFill xmlns:a14="http://schemas.microsoft.com/office/drawing/2010/main">
-                    <a:solidFill>
-                      <a:schemeClr val="accent1"/>
-                    </a:solidFill>
-                  </a14:hiddenFill>
-                </a:ext>
-              </a:extLst>
-            </p:spPr>
-            <p:style>
-              <a:lnRef idx="2">
-                <a:schemeClr val="accent1">
-                  <a:lumMod val="75000"/>
-                </a:schemeClr>
-              </a:lnRef>
-              <a:fillRef idx="1">
+            <a:ln w="19050" cmpd="sng">
+              <a:solidFill>
                 <a:schemeClr val="accent1"/>
-              </a:fillRef>
-              <a:effectRef idx="0">
-                <a:srgbClr val="FFFFFF"/>
-              </a:effectRef>
-              <a:fontRef idx="minor">
-                <a:schemeClr val="lt1"/>
-              </a:fontRef>
-            </p:style>
-            <p:txBody>
-              <a:bodyPr rtlCol="0" anchor="ctr"/>
-              <a:p>
-                <a:pPr algn="ctr"/>
-                <a:endParaRPr lang="zh-CN" altLang="en-US"/>
-              </a:p>
-            </p:txBody>
-          </p:sp>
-          <p:sp>
-            <p:nvSpPr>
-              <p:cNvPr id="9" name="矩形 8"/>
-              <p:cNvSpPr/>
-              <p:nvPr/>
-            </p:nvSpPr>
-            <p:spPr>
-              <a:xfrm>
-                <a:off x="5631" y="9229"/>
-                <a:ext cx="8385" cy="405"/>
-              </a:xfrm>
-              <a:prstGeom prst="rect">
-                <a:avLst/>
-              </a:prstGeom>
-            </p:spPr>
-            <p:style>
-              <a:lnRef idx="2">
-                <a:schemeClr val="accent1">
-                  <a:lumMod val="75000"/>
-                </a:schemeClr>
-              </a:lnRef>
-              <a:fillRef idx="1">
-                <a:schemeClr val="accent1"/>
-              </a:fillRef>
-              <a:effectRef idx="0">
-                <a:srgbClr val="FFFFFF"/>
-              </a:effectRef>
-              <a:fontRef idx="minor">
-                <a:schemeClr val="lt1"/>
-              </a:fontRef>
-            </p:style>
-            <p:txBody>
-              <a:bodyPr rtlCol="0" anchor="ctr"/>
-              <a:p>
-                <a:pPr algn="ctr"/>
-                <a:r>
-                  <a:rPr lang="zh-CN" altLang="en-US" b="1">
-                    <a:latin typeface="微软雅黑" panose="020B0503020204020204" charset="-122"/>
-                    <a:ea typeface="微软雅黑" panose="020B0503020204020204" charset="-122"/>
-                    <a:cs typeface="微软雅黑" panose="020B0503020204020204" charset="-122"/>
-                  </a:rPr>
-                  <a:t>数据库</a:t>
-                </a:r>
-                <a:r>
-                  <a:rPr lang="zh-CN" altLang="en-US" b="1">
-                    <a:latin typeface="微软雅黑" panose="020B0503020204020204" charset="-122"/>
-                    <a:ea typeface="微软雅黑" panose="020B0503020204020204" charset="-122"/>
-                    <a:cs typeface="微软雅黑" panose="020B0503020204020204" charset="-122"/>
-                  </a:rPr>
-                  <a:t>服务器</a:t>
-                </a:r>
-                <a:endParaRPr lang="zh-CN" altLang="en-US" b="1">
-                  <a:latin typeface="微软雅黑" panose="020B0503020204020204" charset="-122"/>
-                  <a:ea typeface="微软雅黑" panose="020B0503020204020204" charset="-122"/>
-                  <a:cs typeface="微软雅黑" panose="020B0503020204020204" charset="-122"/>
-                </a:endParaRPr>
-              </a:p>
-            </p:txBody>
-          </p:sp>
-        </p:grpSp>
-        <p:sp>
-          <p:nvSpPr>
-            <p:cNvPr id="22" name="上下箭头 21"/>
-            <p:cNvSpPr/>
-            <p:nvPr/>
-          </p:nvSpPr>
-          <p:spPr>
-            <a:xfrm>
-              <a:off x="9533" y="8121"/>
-              <a:ext cx="581" cy="686"/>
-            </a:xfrm>
-            <a:prstGeom prst="upDownArrow">
-              <a:avLst/>
-            </a:prstGeom>
-            <a:noFill/>
+              </a:solidFill>
+              <a:prstDash val="dash"/>
+            </a:ln>
             <a:extLst>
               <a:ext uri="{909E8E84-426E-40DD-AFC4-6F175D3DCCD1}">
                 <a14:hiddenFill xmlns:a14="http://schemas.microsoft.com/office/drawing/2010/main">
@@ -3463,24 +2985,688 @@
         </p:sp>
         <p:sp>
           <p:nvSpPr>
-            <p:cNvPr id="23" name="文本框 22"/>
-            <p:cNvSpPr txBox="1"/>
+            <p:cNvPr id="8" name="矩形 7"/>
+            <p:cNvSpPr/>
             <p:nvPr/>
           </p:nvSpPr>
           <p:spPr>
             <a:xfrm>
-              <a:off x="6622" y="9557"/>
-              <a:ext cx="6400" cy="531"/>
+              <a:off x="5631" y="3101"/>
+              <a:ext cx="8385" cy="405"/>
+            </a:xfrm>
+            <a:prstGeom prst="rect">
+              <a:avLst/>
+            </a:prstGeom>
+          </p:spPr>
+          <p:style>
+            <a:lnRef idx="2">
+              <a:schemeClr val="accent1">
+                <a:lumMod val="75000"/>
+              </a:schemeClr>
+            </a:lnRef>
+            <a:fillRef idx="1">
+              <a:schemeClr val="accent1"/>
+            </a:fillRef>
+            <a:effectRef idx="0">
+              <a:srgbClr val="FFFFFF"/>
+            </a:effectRef>
+            <a:fontRef idx="minor">
+              <a:schemeClr val="lt1"/>
+            </a:fontRef>
+          </p:style>
+          <p:txBody>
+            <a:bodyPr rtlCol="0" anchor="ctr"/>
+            <a:p>
+              <a:pPr algn="ctr"/>
+              <a:r>
+                <a:rPr lang="en-US" altLang="zh-CN" b="1">
+                  <a:latin typeface="微软雅黑" panose="020B0503020204020204" charset="-122"/>
+                  <a:ea typeface="微软雅黑" panose="020B0503020204020204" charset="-122"/>
+                  <a:cs typeface="微软雅黑" panose="020B0503020204020204" charset="-122"/>
+                </a:rPr>
+                <a:t>Web</a:t>
+              </a:r>
+              <a:r>
+                <a:rPr lang="zh-CN" altLang="en-US" b="1">
+                  <a:latin typeface="微软雅黑" panose="020B0503020204020204" charset="-122"/>
+                  <a:ea typeface="微软雅黑" panose="020B0503020204020204" charset="-122"/>
+                  <a:cs typeface="微软雅黑" panose="020B0503020204020204" charset="-122"/>
+                </a:rPr>
+                <a:t>服务器</a:t>
+              </a:r>
+              <a:endParaRPr lang="zh-CN" altLang="en-US" b="1">
+                <a:latin typeface="微软雅黑" panose="020B0503020204020204" charset="-122"/>
+                <a:ea typeface="微软雅黑" panose="020B0503020204020204" charset="-122"/>
+                <a:cs typeface="微软雅黑" panose="020B0503020204020204" charset="-122"/>
+              </a:endParaRPr>
+            </a:p>
+          </p:txBody>
+        </p:sp>
+      </p:grpSp>
+      <p:sp>
+        <p:nvSpPr>
+          <p:cNvPr id="4" name="矩形 3"/>
+          <p:cNvSpPr/>
+          <p:nvPr/>
+        </p:nvSpPr>
+        <p:spPr>
+          <a:xfrm>
+            <a:off x="3460115" y="304165"/>
+            <a:ext cx="5554980" cy="835025"/>
+          </a:xfrm>
+          <a:prstGeom prst="rect">
+            <a:avLst/>
+          </a:prstGeom>
+          <a:noFill/>
+          <a:ln w="19050" cmpd="sng">
+            <a:solidFill>
+              <a:schemeClr val="accent1"/>
+            </a:solidFill>
+            <a:prstDash val="dash"/>
+          </a:ln>
+          <a:extLst>
+            <a:ext uri="{909E8E84-426E-40DD-AFC4-6F175D3DCCD1}">
+              <a14:hiddenFill xmlns:a14="http://schemas.microsoft.com/office/drawing/2010/main">
+                <a:solidFill>
+                  <a:schemeClr val="accent1"/>
+                </a:solidFill>
+              </a14:hiddenFill>
+            </a:ext>
+          </a:extLst>
+        </p:spPr>
+        <p:style>
+          <a:lnRef idx="2">
+            <a:schemeClr val="accent1">
+              <a:lumMod val="75000"/>
+            </a:schemeClr>
+          </a:lnRef>
+          <a:fillRef idx="1">
+            <a:schemeClr val="accent1"/>
+          </a:fillRef>
+          <a:effectRef idx="0">
+            <a:srgbClr val="FFFFFF"/>
+          </a:effectRef>
+          <a:fontRef idx="minor">
+            <a:schemeClr val="lt1"/>
+          </a:fontRef>
+        </p:style>
+        <p:txBody>
+          <a:bodyPr rtlCol="0" anchor="ctr"/>
+          <a:p>
+            <a:pPr algn="ctr"/>
+            <a:endParaRPr lang="zh-CN" altLang="en-US"/>
+          </a:p>
+        </p:txBody>
+      </p:sp>
+      <p:sp>
+        <p:nvSpPr>
+          <p:cNvPr id="7" name="矩形 6"/>
+          <p:cNvSpPr/>
+          <p:nvPr/>
+        </p:nvSpPr>
+        <p:spPr>
+          <a:xfrm>
+            <a:off x="3575685" y="387350"/>
+            <a:ext cx="5324475" cy="257175"/>
+          </a:xfrm>
+          <a:prstGeom prst="rect">
+            <a:avLst/>
+          </a:prstGeom>
+        </p:spPr>
+        <p:style>
+          <a:lnRef idx="2">
+            <a:schemeClr val="accent1">
+              <a:lumMod val="75000"/>
+            </a:schemeClr>
+          </a:lnRef>
+          <a:fillRef idx="1">
+            <a:schemeClr val="accent1"/>
+          </a:fillRef>
+          <a:effectRef idx="0">
+            <a:srgbClr val="FFFFFF"/>
+          </a:effectRef>
+          <a:fontRef idx="minor">
+            <a:schemeClr val="lt1"/>
+          </a:fontRef>
+        </p:style>
+        <p:txBody>
+          <a:bodyPr rtlCol="0" anchor="ctr"/>
+          <a:p>
+            <a:pPr algn="ctr"/>
+            <a:r>
+              <a:rPr lang="en-US" altLang="zh-CN" b="1">
+                <a:latin typeface="微软雅黑" panose="020B0503020204020204" charset="-122"/>
+                <a:ea typeface="微软雅黑" panose="020B0503020204020204" charset="-122"/>
+                <a:cs typeface="微软雅黑" panose="020B0503020204020204" charset="-122"/>
+              </a:rPr>
+              <a:t>Web</a:t>
+            </a:r>
+            <a:r>
+              <a:rPr lang="zh-CN" altLang="en-US" b="1">
+                <a:latin typeface="微软雅黑" panose="020B0503020204020204" charset="-122"/>
+                <a:ea typeface="微软雅黑" panose="020B0503020204020204" charset="-122"/>
+                <a:cs typeface="微软雅黑" panose="020B0503020204020204" charset="-122"/>
+              </a:rPr>
+              <a:t>浏览器</a:t>
+            </a:r>
+            <a:endParaRPr lang="zh-CN" altLang="en-US" b="1">
+              <a:latin typeface="微软雅黑" panose="020B0503020204020204" charset="-122"/>
+              <a:ea typeface="微软雅黑" panose="020B0503020204020204" charset="-122"/>
+              <a:cs typeface="微软雅黑" panose="020B0503020204020204" charset="-122"/>
+            </a:endParaRPr>
+          </a:p>
+        </p:txBody>
+      </p:sp>
+      <p:sp>
+        <p:nvSpPr>
+          <p:cNvPr id="12" name="文本框 11"/>
+          <p:cNvSpPr txBox="1"/>
+          <p:nvPr/>
+        </p:nvSpPr>
+        <p:spPr>
+          <a:xfrm>
+            <a:off x="4205605" y="704850"/>
+            <a:ext cx="4064000" cy="337185"/>
+          </a:xfrm>
+          <a:prstGeom prst="rect">
+            <a:avLst/>
+          </a:prstGeom>
+          <a:noFill/>
+        </p:spPr>
+        <p:txBody>
+          <a:bodyPr wrap="square" rtlCol="0">
+            <a:spAutoFit/>
+          </a:bodyPr>
+          <a:p>
+            <a:pPr algn="ctr">
+              <a:buClrTx/>
+              <a:buSzTx/>
+              <a:buFontTx/>
+            </a:pPr>
+            <a:r>
+              <a:rPr lang="en-US" altLang="zh-CN" sz="1600">
+                <a:solidFill>
+                  <a:schemeClr val="tx1"/>
+                </a:solidFill>
+                <a:latin typeface="Times New Roman" panose="02020603050405020304" charset="0"/>
+                <a:ea typeface="微软雅黑" panose="020B0503020204020204" charset="-122"/>
+                <a:cs typeface="Times New Roman" panose="02020603050405020304" charset="0"/>
+              </a:rPr>
+              <a:t>Chrome、Edge...</a:t>
+            </a:r>
+            <a:endParaRPr lang="zh-CN" altLang="en-US" sz="1600">
+              <a:solidFill>
+                <a:schemeClr val="tx1"/>
+              </a:solidFill>
+              <a:latin typeface="Times New Roman" panose="02020603050405020304" charset="0"/>
+              <a:ea typeface="微软雅黑" panose="020B0503020204020204" charset="-122"/>
+              <a:cs typeface="Times New Roman" panose="02020603050405020304" charset="0"/>
+            </a:endParaRPr>
+          </a:p>
+        </p:txBody>
+      </p:sp>
+      <p:sp>
+        <p:nvSpPr>
+          <p:cNvPr id="13" name="上下箭头 12"/>
+          <p:cNvSpPr/>
+          <p:nvPr/>
+        </p:nvSpPr>
+        <p:spPr>
+          <a:xfrm>
+            <a:off x="6053455" y="1171575"/>
+            <a:ext cx="368935" cy="435610"/>
+          </a:xfrm>
+          <a:prstGeom prst="upDownArrow">
+            <a:avLst/>
+          </a:prstGeom>
+          <a:noFill/>
+          <a:extLst>
+            <a:ext uri="{909E8E84-426E-40DD-AFC4-6F175D3DCCD1}">
+              <a14:hiddenFill xmlns:a14="http://schemas.microsoft.com/office/drawing/2010/main">
+                <a:solidFill>
+                  <a:schemeClr val="accent1"/>
+                </a:solidFill>
+              </a14:hiddenFill>
+            </a:ext>
+          </a:extLst>
+        </p:spPr>
+        <p:style>
+          <a:lnRef idx="2">
+            <a:schemeClr val="accent1">
+              <a:lumMod val="75000"/>
+            </a:schemeClr>
+          </a:lnRef>
+          <a:fillRef idx="1">
+            <a:schemeClr val="accent1"/>
+          </a:fillRef>
+          <a:effectRef idx="0">
+            <a:srgbClr val="FFFFFF"/>
+          </a:effectRef>
+          <a:fontRef idx="minor">
+            <a:schemeClr val="lt1"/>
+          </a:fontRef>
+        </p:style>
+        <p:txBody>
+          <a:bodyPr rtlCol="0" anchor="ctr"/>
+          <a:p>
+            <a:pPr algn="ctr"/>
+            <a:endParaRPr lang="zh-CN" altLang="en-US"/>
+          </a:p>
+        </p:txBody>
+      </p:sp>
+      <p:grpSp>
+        <p:nvGrpSpPr>
+          <p:cNvPr id="16" name="组合 15"/>
+          <p:cNvGrpSpPr/>
+          <p:nvPr/>
+        </p:nvGrpSpPr>
+        <p:grpSpPr>
+          <a:xfrm rot="0">
+            <a:off x="3459480" y="5625465"/>
+            <a:ext cx="5554980" cy="834390"/>
+            <a:chOff x="5448" y="9044"/>
+            <a:chExt cx="8748" cy="1314"/>
+          </a:xfrm>
+        </p:grpSpPr>
+        <p:sp>
+          <p:nvSpPr>
+            <p:cNvPr id="6" name="矩形 5"/>
+            <p:cNvSpPr/>
+            <p:nvPr/>
+          </p:nvSpPr>
+          <p:spPr>
+            <a:xfrm>
+              <a:off x="5448" y="9044"/>
+              <a:ext cx="8748" cy="1315"/>
             </a:xfrm>
             <a:prstGeom prst="rect">
               <a:avLst/>
             </a:prstGeom>
             <a:noFill/>
+            <a:ln w="19050" cmpd="sng">
+              <a:solidFill>
+                <a:schemeClr val="accent1"/>
+              </a:solidFill>
+              <a:prstDash val="dash"/>
+            </a:ln>
+            <a:extLst>
+              <a:ext uri="{909E8E84-426E-40DD-AFC4-6F175D3DCCD1}">
+                <a14:hiddenFill xmlns:a14="http://schemas.microsoft.com/office/drawing/2010/main">
+                  <a:solidFill>
+                    <a:schemeClr val="accent1"/>
+                  </a:solidFill>
+                </a14:hiddenFill>
+              </a:ext>
+            </a:extLst>
           </p:spPr>
+          <p:style>
+            <a:lnRef idx="2">
+              <a:schemeClr val="accent1">
+                <a:lumMod val="75000"/>
+              </a:schemeClr>
+            </a:lnRef>
+            <a:fillRef idx="1">
+              <a:schemeClr val="accent1"/>
+            </a:fillRef>
+            <a:effectRef idx="0">
+              <a:srgbClr val="FFFFFF"/>
+            </a:effectRef>
+            <a:fontRef idx="minor">
+              <a:schemeClr val="lt1"/>
+            </a:fontRef>
+          </p:style>
           <p:txBody>
-            <a:bodyPr wrap="square" rtlCol="0">
-              <a:spAutoFit/>
-            </a:bodyPr>
+            <a:bodyPr rtlCol="0" anchor="ctr"/>
+            <a:p>
+              <a:pPr algn="ctr"/>
+              <a:endParaRPr lang="zh-CN" altLang="en-US"/>
+            </a:p>
+          </p:txBody>
+        </p:sp>
+        <p:sp>
+          <p:nvSpPr>
+            <p:cNvPr id="9" name="矩形 8"/>
+            <p:cNvSpPr/>
+            <p:nvPr/>
+          </p:nvSpPr>
+          <p:spPr>
+            <a:xfrm>
+              <a:off x="5631" y="9229"/>
+              <a:ext cx="8385" cy="405"/>
+            </a:xfrm>
+            <a:prstGeom prst="rect">
+              <a:avLst/>
+            </a:prstGeom>
+          </p:spPr>
+          <p:style>
+            <a:lnRef idx="2">
+              <a:schemeClr val="accent1">
+                <a:lumMod val="75000"/>
+              </a:schemeClr>
+            </a:lnRef>
+            <a:fillRef idx="1">
+              <a:schemeClr val="accent1"/>
+            </a:fillRef>
+            <a:effectRef idx="0">
+              <a:srgbClr val="FFFFFF"/>
+            </a:effectRef>
+            <a:fontRef idx="minor">
+              <a:schemeClr val="lt1"/>
+            </a:fontRef>
+          </p:style>
+          <p:txBody>
+            <a:bodyPr rtlCol="0" anchor="ctr"/>
+            <a:p>
+              <a:pPr algn="ctr"/>
+              <a:r>
+                <a:rPr lang="zh-CN" altLang="en-US" b="1">
+                  <a:latin typeface="微软雅黑" panose="020B0503020204020204" charset="-122"/>
+                  <a:ea typeface="微软雅黑" panose="020B0503020204020204" charset="-122"/>
+                  <a:cs typeface="微软雅黑" panose="020B0503020204020204" charset="-122"/>
+                </a:rPr>
+                <a:t>数据库</a:t>
+              </a:r>
+              <a:r>
+                <a:rPr lang="zh-CN" altLang="en-US" b="1">
+                  <a:latin typeface="微软雅黑" panose="020B0503020204020204" charset="-122"/>
+                  <a:ea typeface="微软雅黑" panose="020B0503020204020204" charset="-122"/>
+                  <a:cs typeface="微软雅黑" panose="020B0503020204020204" charset="-122"/>
+                </a:rPr>
+                <a:t>服务器</a:t>
+              </a:r>
+              <a:endParaRPr lang="zh-CN" altLang="en-US" b="1">
+                <a:latin typeface="微软雅黑" panose="020B0503020204020204" charset="-122"/>
+                <a:ea typeface="微软雅黑" panose="020B0503020204020204" charset="-122"/>
+                <a:cs typeface="微软雅黑" panose="020B0503020204020204" charset="-122"/>
+              </a:endParaRPr>
+            </a:p>
+          </p:txBody>
+        </p:sp>
+      </p:grpSp>
+      <p:sp>
+        <p:nvSpPr>
+          <p:cNvPr id="22" name="上下箭头 21"/>
+          <p:cNvSpPr/>
+          <p:nvPr/>
+        </p:nvSpPr>
+        <p:spPr>
+          <a:xfrm>
+            <a:off x="6053455" y="5156835"/>
+            <a:ext cx="368935" cy="435610"/>
+          </a:xfrm>
+          <a:prstGeom prst="upDownArrow">
+            <a:avLst/>
+          </a:prstGeom>
+          <a:noFill/>
+          <a:extLst>
+            <a:ext uri="{909E8E84-426E-40DD-AFC4-6F175D3DCCD1}">
+              <a14:hiddenFill xmlns:a14="http://schemas.microsoft.com/office/drawing/2010/main">
+                <a:solidFill>
+                  <a:schemeClr val="accent1"/>
+                </a:solidFill>
+              </a14:hiddenFill>
+            </a:ext>
+          </a:extLst>
+        </p:spPr>
+        <p:style>
+          <a:lnRef idx="2">
+            <a:schemeClr val="accent1">
+              <a:lumMod val="75000"/>
+            </a:schemeClr>
+          </a:lnRef>
+          <a:fillRef idx="1">
+            <a:schemeClr val="accent1"/>
+          </a:fillRef>
+          <a:effectRef idx="0">
+            <a:srgbClr val="FFFFFF"/>
+          </a:effectRef>
+          <a:fontRef idx="minor">
+            <a:schemeClr val="lt1"/>
+          </a:fontRef>
+        </p:style>
+        <p:txBody>
+          <a:bodyPr rtlCol="0" anchor="ctr"/>
+          <a:p>
+            <a:pPr algn="ctr"/>
+            <a:endParaRPr lang="zh-CN" altLang="en-US"/>
+          </a:p>
+        </p:txBody>
+      </p:sp>
+      <p:sp>
+        <p:nvSpPr>
+          <p:cNvPr id="23" name="文本框 22"/>
+          <p:cNvSpPr txBox="1"/>
+          <p:nvPr/>
+        </p:nvSpPr>
+        <p:spPr>
+          <a:xfrm>
+            <a:off x="4204970" y="6068695"/>
+            <a:ext cx="4064000" cy="337185"/>
+          </a:xfrm>
+          <a:prstGeom prst="rect">
+            <a:avLst/>
+          </a:prstGeom>
+          <a:noFill/>
+        </p:spPr>
+        <p:txBody>
+          <a:bodyPr wrap="square" rtlCol="0">
+            <a:spAutoFit/>
+          </a:bodyPr>
+          <a:p>
+            <a:pPr algn="ctr">
+              <a:buClrTx/>
+              <a:buSzTx/>
+              <a:buFontTx/>
+            </a:pPr>
+            <a:r>
+              <a:rPr lang="en-US" altLang="zh-CN" sz="1600">
+                <a:solidFill>
+                  <a:schemeClr val="tx1"/>
+                </a:solidFill>
+                <a:latin typeface="Times New Roman" panose="02020603050405020304" charset="0"/>
+                <a:ea typeface="微软雅黑" panose="020B0503020204020204" charset="-122"/>
+                <a:cs typeface="Times New Roman" panose="02020603050405020304" charset="0"/>
+              </a:rPr>
+              <a:t>MySQL</a:t>
+            </a:r>
+            <a:endParaRPr lang="en-US" altLang="zh-CN" sz="1600">
+              <a:solidFill>
+                <a:schemeClr val="tx1"/>
+              </a:solidFill>
+              <a:latin typeface="Times New Roman" panose="02020603050405020304" charset="0"/>
+              <a:ea typeface="微软雅黑" panose="020B0503020204020204" charset="-122"/>
+              <a:cs typeface="Times New Roman" panose="02020603050405020304" charset="0"/>
+            </a:endParaRPr>
+          </a:p>
+        </p:txBody>
+      </p:sp>
+      <p:grpSp>
+        <p:nvGrpSpPr>
+          <p:cNvPr id="35" name="组合 34"/>
+          <p:cNvGrpSpPr/>
+          <p:nvPr/>
+        </p:nvGrpSpPr>
+        <p:grpSpPr>
+          <a:xfrm rot="0">
+            <a:off x="3641090" y="2134235"/>
+            <a:ext cx="5193030" cy="529590"/>
+            <a:chOff x="5684" y="3654"/>
+            <a:chExt cx="8178" cy="834"/>
+          </a:xfrm>
+        </p:grpSpPr>
+        <p:sp>
+          <p:nvSpPr>
+            <p:cNvPr id="24" name="矩形 23"/>
+            <p:cNvSpPr/>
+            <p:nvPr/>
+          </p:nvSpPr>
+          <p:spPr>
+            <a:xfrm>
+              <a:off x="5684" y="3654"/>
+              <a:ext cx="1917" cy="832"/>
+            </a:xfrm>
+            <a:prstGeom prst="rect">
+              <a:avLst/>
+            </a:prstGeom>
+            <a:ln>
+              <a:noFill/>
+            </a:ln>
+          </p:spPr>
+          <p:style>
+            <a:lnRef idx="2">
+              <a:schemeClr val="accent1">
+                <a:lumMod val="75000"/>
+              </a:schemeClr>
+            </a:lnRef>
+            <a:fillRef idx="1">
+              <a:schemeClr val="accent1"/>
+            </a:fillRef>
+            <a:effectRef idx="0">
+              <a:srgbClr val="FFFFFF"/>
+            </a:effectRef>
+            <a:fontRef idx="minor">
+              <a:schemeClr val="lt1"/>
+            </a:fontRef>
+          </p:style>
+          <p:txBody>
+            <a:bodyPr rtlCol="0" anchor="ctr"/>
+            <a:p>
+              <a:pPr algn="ctr">
+                <a:buClrTx/>
+                <a:buSzTx/>
+                <a:buFontTx/>
+              </a:pPr>
+              <a:r>
+                <a:rPr lang="zh-CN" altLang="en-US" sz="1600" b="1">
+                  <a:latin typeface="微软雅黑" panose="020B0503020204020204" charset="-122"/>
+                  <a:ea typeface="微软雅黑" panose="020B0503020204020204" charset="-122"/>
+                  <a:cs typeface="微软雅黑" panose="020B0503020204020204" charset="-122"/>
+                </a:rPr>
+                <a:t>视图层</a:t>
+              </a:r>
+              <a:endParaRPr lang="zh-CN" altLang="en-US" sz="1600" b="1">
+                <a:latin typeface="微软雅黑" panose="020B0503020204020204" charset="-122"/>
+                <a:ea typeface="微软雅黑" panose="020B0503020204020204" charset="-122"/>
+                <a:cs typeface="微软雅黑" panose="020B0503020204020204" charset="-122"/>
+              </a:endParaRPr>
+            </a:p>
+          </p:txBody>
+        </p:sp>
+        <p:sp>
+          <p:nvSpPr>
+            <p:cNvPr id="32" name="圆角矩形 31"/>
+            <p:cNvSpPr/>
+            <p:nvPr/>
+          </p:nvSpPr>
+          <p:spPr>
+            <a:xfrm>
+              <a:off x="7900" y="3654"/>
+              <a:ext cx="1040" cy="834"/>
+            </a:xfrm>
+            <a:prstGeom prst="roundRect">
+              <a:avLst/>
+            </a:prstGeom>
+            <a:noFill/>
+            <a:extLst>
+              <a:ext uri="{909E8E84-426E-40DD-AFC4-6F175D3DCCD1}">
+                <a14:hiddenFill xmlns:a14="http://schemas.microsoft.com/office/drawing/2010/main">
+                  <a:solidFill>
+                    <a:schemeClr val="accent1"/>
+                  </a:solidFill>
+                </a14:hiddenFill>
+              </a:ext>
+            </a:extLst>
+          </p:spPr>
+          <p:style>
+            <a:lnRef idx="2">
+              <a:schemeClr val="accent1">
+                <a:lumMod val="75000"/>
+              </a:schemeClr>
+            </a:lnRef>
+            <a:fillRef idx="1">
+              <a:schemeClr val="accent1"/>
+            </a:fillRef>
+            <a:effectRef idx="0">
+              <a:srgbClr val="FFFFFF"/>
+            </a:effectRef>
+            <a:fontRef idx="minor">
+              <a:schemeClr val="lt1"/>
+            </a:fontRef>
+          </p:style>
+          <p:txBody>
+            <a:bodyPr rtlCol="0" anchor="ctr"/>
+            <a:p>
+              <a:pPr algn="ctr">
+                <a:buClrTx/>
+                <a:buSzTx/>
+                <a:buFontTx/>
+              </a:pPr>
+              <a:r>
+                <a:rPr lang="en-US" altLang="zh-CN" sz="1600">
+                  <a:solidFill>
+                    <a:schemeClr val="tx1"/>
+                  </a:solidFill>
+                  <a:latin typeface="Times New Roman" panose="02020603050405020304" charset="0"/>
+                  <a:ea typeface="微软雅黑" panose="020B0503020204020204" charset="-122"/>
+                  <a:cs typeface="Times New Roman" panose="02020603050405020304" charset="0"/>
+                  <a:sym typeface="+mn-ea"/>
+                </a:rPr>
+                <a:t>Vue</a:t>
+              </a:r>
+              <a:endParaRPr lang="en-US" altLang="zh-CN" sz="1600">
+                <a:solidFill>
+                  <a:schemeClr val="tx1"/>
+                </a:solidFill>
+                <a:latin typeface="Times New Roman" panose="02020603050405020304" charset="0"/>
+                <a:ea typeface="微软雅黑" panose="020B0503020204020204" charset="-122"/>
+                <a:cs typeface="Times New Roman" panose="02020603050405020304" charset="0"/>
+              </a:endParaRPr>
+            </a:p>
+          </p:txBody>
+        </p:sp>
+        <p:sp>
+          <p:nvSpPr>
+            <p:cNvPr id="33" name="圆角矩形 32"/>
+            <p:cNvSpPr/>
+            <p:nvPr/>
+          </p:nvSpPr>
+          <p:spPr>
+            <a:xfrm>
+              <a:off x="9174" y="3654"/>
+              <a:ext cx="2227" cy="834"/>
+            </a:xfrm>
+            <a:prstGeom prst="roundRect">
+              <a:avLst/>
+            </a:prstGeom>
+            <a:noFill/>
+            <a:extLst>
+              <a:ext uri="{909E8E84-426E-40DD-AFC4-6F175D3DCCD1}">
+                <a14:hiddenFill xmlns:a14="http://schemas.microsoft.com/office/drawing/2010/main">
+                  <a:solidFill>
+                    <a:schemeClr val="accent1"/>
+                  </a:solidFill>
+                </a14:hiddenFill>
+              </a:ext>
+            </a:extLst>
+          </p:spPr>
+          <p:style>
+            <a:lnRef idx="2">
+              <a:schemeClr val="accent1">
+                <a:lumMod val="75000"/>
+              </a:schemeClr>
+            </a:lnRef>
+            <a:fillRef idx="1">
+              <a:schemeClr val="accent1"/>
+            </a:fillRef>
+            <a:effectRef idx="0">
+              <a:srgbClr val="FFFFFF"/>
+            </a:effectRef>
+            <a:fontRef idx="minor">
+              <a:schemeClr val="lt1"/>
+            </a:fontRef>
+          </p:style>
+          <p:txBody>
+            <a:bodyPr rtlCol="0" anchor="ctr"/>
             <a:p>
               <a:pPr algn="ctr">
                 <a:buClrTx/>
@@ -3496,7 +3682,7 @@
                   <a:ea typeface="微软雅黑" panose="020B0503020204020204" charset="-122"/>
                   <a:cs typeface="Times New Roman" panose="02020603050405020304" charset="0"/>
                 </a:rPr>
-                <a:t>MySQL</a:t>
+                <a:t>Element UI</a:t>
               </a:r>
               <a:endParaRPr lang="en-US" altLang="zh-CN" sz="1600">
                 <a:solidFill>
@@ -3509,439 +3695,213 @@
             </a:p>
           </p:txBody>
         </p:sp>
-        <p:grpSp>
-          <p:nvGrpSpPr>
-            <p:cNvPr id="35" name="组合 34"/>
-            <p:cNvGrpSpPr/>
+        <p:sp>
+          <p:nvSpPr>
+            <p:cNvPr id="34" name="圆角矩形 33"/>
+            <p:cNvSpPr/>
             <p:nvPr/>
-          </p:nvGrpSpPr>
-          <p:grpSpPr>
-            <a:xfrm rot="0">
-              <a:off x="5734" y="3361"/>
-              <a:ext cx="8178" cy="834"/>
-              <a:chOff x="5684" y="3654"/>
-              <a:chExt cx="8178" cy="834"/>
+          </p:nvSpPr>
+          <p:spPr>
+            <a:xfrm>
+              <a:off x="11635" y="3654"/>
+              <a:ext cx="2227" cy="834"/>
             </a:xfrm>
-          </p:grpSpPr>
-          <p:sp>
-            <p:nvSpPr>
-              <p:cNvPr id="24" name="矩形 23"/>
-              <p:cNvSpPr/>
-              <p:nvPr/>
-            </p:nvSpPr>
-            <p:spPr>
-              <a:xfrm>
-                <a:off x="5684" y="3654"/>
-                <a:ext cx="1917" cy="832"/>
-              </a:xfrm>
-              <a:prstGeom prst="rect">
-                <a:avLst/>
-              </a:prstGeom>
-              <a:ln>
-                <a:noFill/>
-              </a:ln>
-            </p:spPr>
-            <p:style>
-              <a:lnRef idx="2">
-                <a:schemeClr val="accent1">
-                  <a:lumMod val="75000"/>
-                </a:schemeClr>
-              </a:lnRef>
-              <a:fillRef idx="1">
-                <a:schemeClr val="accent1"/>
-              </a:fillRef>
-              <a:effectRef idx="0">
-                <a:srgbClr val="FFFFFF"/>
-              </a:effectRef>
-              <a:fontRef idx="minor">
-                <a:schemeClr val="lt1"/>
-              </a:fontRef>
-            </p:style>
-            <p:txBody>
-              <a:bodyPr rtlCol="0" anchor="ctr"/>
-              <a:p>
-                <a:pPr algn="ctr">
-                  <a:buClrTx/>
-                  <a:buSzTx/>
-                  <a:buFontTx/>
-                </a:pPr>
-                <a:r>
-                  <a:rPr lang="zh-CN" altLang="en-US" sz="1600" b="1">
-                    <a:latin typeface="微软雅黑" panose="020B0503020204020204" charset="-122"/>
-                    <a:ea typeface="微软雅黑" panose="020B0503020204020204" charset="-122"/>
-                    <a:cs typeface="微软雅黑" panose="020B0503020204020204" charset="-122"/>
-                  </a:rPr>
-                  <a:t>视图层</a:t>
-                </a:r>
-                <a:endParaRPr lang="zh-CN" altLang="en-US" sz="1600" b="1">
-                  <a:latin typeface="微软雅黑" panose="020B0503020204020204" charset="-122"/>
-                  <a:ea typeface="微软雅黑" panose="020B0503020204020204" charset="-122"/>
-                  <a:cs typeface="微软雅黑" panose="020B0503020204020204" charset="-122"/>
-                </a:endParaRPr>
-              </a:p>
-            </p:txBody>
-          </p:sp>
-          <p:sp>
-            <p:nvSpPr>
-              <p:cNvPr id="32" name="圆角矩形 31"/>
-              <p:cNvSpPr/>
-              <p:nvPr/>
-            </p:nvSpPr>
-            <p:spPr>
-              <a:xfrm>
-                <a:off x="7900" y="3654"/>
-                <a:ext cx="1040" cy="834"/>
-              </a:xfrm>
-              <a:prstGeom prst="roundRect">
-                <a:avLst/>
-              </a:prstGeom>
-              <a:noFill/>
-              <a:extLst>
-                <a:ext uri="{909E8E84-426E-40DD-AFC4-6F175D3DCCD1}">
-                  <a14:hiddenFill xmlns:a14="http://schemas.microsoft.com/office/drawing/2010/main">
-                    <a:solidFill>
-                      <a:schemeClr val="accent1"/>
-                    </a:solidFill>
-                  </a14:hiddenFill>
-                </a:ext>
-              </a:extLst>
-            </p:spPr>
-            <p:style>
-              <a:lnRef idx="2">
-                <a:schemeClr val="accent1">
-                  <a:lumMod val="75000"/>
-                </a:schemeClr>
-              </a:lnRef>
-              <a:fillRef idx="1">
-                <a:schemeClr val="accent1"/>
-              </a:fillRef>
-              <a:effectRef idx="0">
-                <a:srgbClr val="FFFFFF"/>
-              </a:effectRef>
-              <a:fontRef idx="minor">
-                <a:schemeClr val="lt1"/>
-              </a:fontRef>
-            </p:style>
-            <p:txBody>
-              <a:bodyPr rtlCol="0" anchor="ctr"/>
-              <a:p>
-                <a:pPr algn="ctr">
-                  <a:buClrTx/>
-                  <a:buSzTx/>
-                  <a:buFontTx/>
-                </a:pPr>
-                <a:r>
-                  <a:rPr lang="en-US" altLang="zh-CN" sz="1600">
-                    <a:solidFill>
-                      <a:schemeClr val="tx1"/>
-                    </a:solidFill>
-                    <a:latin typeface="Times New Roman" panose="02020603050405020304" charset="0"/>
-                    <a:ea typeface="微软雅黑" panose="020B0503020204020204" charset="-122"/>
-                    <a:cs typeface="Times New Roman" panose="02020603050405020304" charset="0"/>
-                    <a:sym typeface="+mn-ea"/>
-                  </a:rPr>
-                  <a:t>Vue</a:t>
-                </a:r>
-                <a:endParaRPr lang="en-US" altLang="zh-CN" sz="1600">
+            <a:prstGeom prst="roundRect">
+              <a:avLst/>
+            </a:prstGeom>
+            <a:noFill/>
+            <a:extLst>
+              <a:ext uri="{909E8E84-426E-40DD-AFC4-6F175D3DCCD1}">
+                <a14:hiddenFill xmlns:a14="http://schemas.microsoft.com/office/drawing/2010/main">
+                  <a:solidFill>
+                    <a:schemeClr val="accent1"/>
+                  </a:solidFill>
+                </a14:hiddenFill>
+              </a:ext>
+            </a:extLst>
+          </p:spPr>
+          <p:style>
+            <a:lnRef idx="2">
+              <a:schemeClr val="accent1">
+                <a:lumMod val="75000"/>
+              </a:schemeClr>
+            </a:lnRef>
+            <a:fillRef idx="1">
+              <a:schemeClr val="accent1"/>
+            </a:fillRef>
+            <a:effectRef idx="0">
+              <a:srgbClr val="FFFFFF"/>
+            </a:effectRef>
+            <a:fontRef idx="minor">
+              <a:schemeClr val="lt1"/>
+            </a:fontRef>
+          </p:style>
+          <p:txBody>
+            <a:bodyPr rtlCol="0" anchor="ctr"/>
+            <a:p>
+              <a:pPr algn="ctr">
+                <a:buClrTx/>
+                <a:buSzTx/>
+                <a:buFontTx/>
+              </a:pPr>
+              <a:r>
+                <a:rPr lang="en-US" altLang="zh-CN" sz="1600">
                   <a:solidFill>
                     <a:schemeClr val="tx1"/>
                   </a:solidFill>
                   <a:latin typeface="Times New Roman" panose="02020603050405020304" charset="0"/>
                   <a:ea typeface="微软雅黑" panose="020B0503020204020204" charset="-122"/>
                   <a:cs typeface="Times New Roman" panose="02020603050405020304" charset="0"/>
-                </a:endParaRPr>
-              </a:p>
-            </p:txBody>
-          </p:sp>
-          <p:sp>
-            <p:nvSpPr>
-              <p:cNvPr id="33" name="圆角矩形 32"/>
-              <p:cNvSpPr/>
-              <p:nvPr/>
-            </p:nvSpPr>
-            <p:spPr>
-              <a:xfrm>
-                <a:off x="9174" y="3654"/>
-                <a:ext cx="2227" cy="834"/>
-              </a:xfrm>
-              <a:prstGeom prst="roundRect">
-                <a:avLst/>
-              </a:prstGeom>
+                </a:rPr>
+                <a:t>Bootstrap</a:t>
+              </a:r>
+              <a:endParaRPr lang="en-US" altLang="zh-CN" sz="1600">
+                <a:solidFill>
+                  <a:schemeClr val="tx1"/>
+                </a:solidFill>
+                <a:latin typeface="Times New Roman" panose="02020603050405020304" charset="0"/>
+                <a:ea typeface="微软雅黑" panose="020B0503020204020204" charset="-122"/>
+                <a:cs typeface="Times New Roman" panose="02020603050405020304" charset="0"/>
+              </a:endParaRPr>
+            </a:p>
+          </p:txBody>
+        </p:sp>
+      </p:grpSp>
+      <p:grpSp>
+        <p:nvGrpSpPr>
+          <p:cNvPr id="39" name="组合 38"/>
+          <p:cNvGrpSpPr/>
+          <p:nvPr/>
+        </p:nvGrpSpPr>
+        <p:grpSpPr>
+          <a:xfrm rot="0">
+            <a:off x="3642360" y="2901950"/>
+            <a:ext cx="5192395" cy="529590"/>
+            <a:chOff x="5684" y="3654"/>
+            <a:chExt cx="4713" cy="834"/>
+          </a:xfrm>
+        </p:grpSpPr>
+        <p:sp>
+          <p:nvSpPr>
+            <p:cNvPr id="40" name="矩形 39"/>
+            <p:cNvSpPr/>
+            <p:nvPr/>
+          </p:nvSpPr>
+          <p:spPr>
+            <a:xfrm>
+              <a:off x="5684" y="3654"/>
+              <a:ext cx="1107" cy="832"/>
+            </a:xfrm>
+            <a:prstGeom prst="rect">
+              <a:avLst/>
+            </a:prstGeom>
+            <a:ln>
               <a:noFill/>
-              <a:extLst>
-                <a:ext uri="{909E8E84-426E-40DD-AFC4-6F175D3DCCD1}">
-                  <a14:hiddenFill xmlns:a14="http://schemas.microsoft.com/office/drawing/2010/main">
-                    <a:solidFill>
-                      <a:schemeClr val="accent1"/>
-                    </a:solidFill>
-                  </a14:hiddenFill>
-                </a:ext>
-              </a:extLst>
-            </p:spPr>
-            <p:style>
-              <a:lnRef idx="2">
-                <a:schemeClr val="accent1">
-                  <a:lumMod val="75000"/>
-                </a:schemeClr>
-              </a:lnRef>
-              <a:fillRef idx="1">
-                <a:schemeClr val="accent1"/>
-              </a:fillRef>
-              <a:effectRef idx="0">
-                <a:srgbClr val="FFFFFF"/>
-              </a:effectRef>
-              <a:fontRef idx="minor">
-                <a:schemeClr val="lt1"/>
-              </a:fontRef>
-            </p:style>
-            <p:txBody>
-              <a:bodyPr rtlCol="0" anchor="ctr"/>
-              <a:p>
-                <a:pPr algn="ctr">
-                  <a:buClrTx/>
-                  <a:buSzTx/>
-                  <a:buFontTx/>
-                </a:pPr>
-                <a:r>
-                  <a:rPr lang="en-US" altLang="zh-CN" sz="1600">
-                    <a:solidFill>
-                      <a:schemeClr val="tx1"/>
-                    </a:solidFill>
-                    <a:latin typeface="Times New Roman" panose="02020603050405020304" charset="0"/>
-                    <a:ea typeface="微软雅黑" panose="020B0503020204020204" charset="-122"/>
-                    <a:cs typeface="Times New Roman" panose="02020603050405020304" charset="0"/>
-                  </a:rPr>
-                  <a:t>Element UI</a:t>
-                </a:r>
-                <a:endParaRPr lang="en-US" altLang="zh-CN" sz="1600">
+            </a:ln>
+          </p:spPr>
+          <p:style>
+            <a:lnRef idx="2">
+              <a:schemeClr val="accent1">
+                <a:lumMod val="75000"/>
+              </a:schemeClr>
+            </a:lnRef>
+            <a:fillRef idx="1">
+              <a:schemeClr val="accent1"/>
+            </a:fillRef>
+            <a:effectRef idx="0">
+              <a:srgbClr val="FFFFFF"/>
+            </a:effectRef>
+            <a:fontRef idx="minor">
+              <a:schemeClr val="lt1"/>
+            </a:fontRef>
+          </p:style>
+          <p:txBody>
+            <a:bodyPr rtlCol="0" anchor="ctr"/>
+            <a:p>
+              <a:pPr algn="ctr">
+                <a:buClrTx/>
+                <a:buSzTx/>
+                <a:buFontTx/>
+              </a:pPr>
+              <a:r>
+                <a:rPr lang="zh-CN" altLang="en-US" sz="1600" b="1">
+                  <a:latin typeface="微软雅黑" panose="020B0503020204020204" charset="-122"/>
+                  <a:ea typeface="微软雅黑" panose="020B0503020204020204" charset="-122"/>
+                  <a:cs typeface="微软雅黑" panose="020B0503020204020204" charset="-122"/>
+                </a:rPr>
+                <a:t>控制层</a:t>
+              </a:r>
+              <a:endParaRPr lang="zh-CN" altLang="en-US" sz="1600" b="1">
+                <a:latin typeface="微软雅黑" panose="020B0503020204020204" charset="-122"/>
+                <a:ea typeface="微软雅黑" panose="020B0503020204020204" charset="-122"/>
+                <a:cs typeface="微软雅黑" panose="020B0503020204020204" charset="-122"/>
+              </a:endParaRPr>
+            </a:p>
+          </p:txBody>
+        </p:sp>
+        <p:sp>
+          <p:nvSpPr>
+            <p:cNvPr id="41" name="圆角矩形 40"/>
+            <p:cNvSpPr/>
+            <p:nvPr/>
+          </p:nvSpPr>
+          <p:spPr>
+            <a:xfrm>
+              <a:off x="6961" y="3654"/>
+              <a:ext cx="3436" cy="834"/>
+            </a:xfrm>
+            <a:prstGeom prst="roundRect">
+              <a:avLst/>
+            </a:prstGeom>
+            <a:noFill/>
+            <a:extLst>
+              <a:ext uri="{909E8E84-426E-40DD-AFC4-6F175D3DCCD1}">
+                <a14:hiddenFill xmlns:a14="http://schemas.microsoft.com/office/drawing/2010/main">
+                  <a:solidFill>
+                    <a:schemeClr val="accent1"/>
+                  </a:solidFill>
+                </a14:hiddenFill>
+              </a:ext>
+            </a:extLst>
+          </p:spPr>
+          <p:style>
+            <a:lnRef idx="2">
+              <a:schemeClr val="accent1">
+                <a:lumMod val="75000"/>
+              </a:schemeClr>
+            </a:lnRef>
+            <a:fillRef idx="1">
+              <a:schemeClr val="accent1"/>
+            </a:fillRef>
+            <a:effectRef idx="0">
+              <a:srgbClr val="FFFFFF"/>
+            </a:effectRef>
+            <a:fontRef idx="minor">
+              <a:schemeClr val="lt1"/>
+            </a:fontRef>
+          </p:style>
+          <p:txBody>
+            <a:bodyPr rtlCol="0" anchor="ctr"/>
+            <a:p>
+              <a:pPr algn="ctr">
+                <a:buClrTx/>
+                <a:buSzTx/>
+                <a:buFontTx/>
+              </a:pPr>
+              <a:r>
+                <a:rPr lang="en-US" altLang="zh-CN" sz="1600">
                   <a:solidFill>
                     <a:schemeClr val="tx1"/>
                   </a:solidFill>
                   <a:latin typeface="Times New Roman" panose="02020603050405020304" charset="0"/>
                   <a:ea typeface="微软雅黑" panose="020B0503020204020204" charset="-122"/>
                   <a:cs typeface="Times New Roman" panose="02020603050405020304" charset="0"/>
-                </a:endParaRPr>
-              </a:p>
-            </p:txBody>
-          </p:sp>
-          <p:sp>
-            <p:nvSpPr>
-              <p:cNvPr id="34" name="圆角矩形 33"/>
-              <p:cNvSpPr/>
-              <p:nvPr/>
-            </p:nvSpPr>
-            <p:spPr>
-              <a:xfrm>
-                <a:off x="11635" y="3654"/>
-                <a:ext cx="2227" cy="834"/>
-              </a:xfrm>
-              <a:prstGeom prst="roundRect">
-                <a:avLst/>
-              </a:prstGeom>
-              <a:noFill/>
-              <a:extLst>
-                <a:ext uri="{909E8E84-426E-40DD-AFC4-6F175D3DCCD1}">
-                  <a14:hiddenFill xmlns:a14="http://schemas.microsoft.com/office/drawing/2010/main">
-                    <a:solidFill>
-                      <a:schemeClr val="accent1"/>
-                    </a:solidFill>
-                  </a14:hiddenFill>
-                </a:ext>
-              </a:extLst>
-            </p:spPr>
-            <p:style>
-              <a:lnRef idx="2">
-                <a:schemeClr val="accent1">
-                  <a:lumMod val="75000"/>
-                </a:schemeClr>
-              </a:lnRef>
-              <a:fillRef idx="1">
-                <a:schemeClr val="accent1"/>
-              </a:fillRef>
-              <a:effectRef idx="0">
-                <a:srgbClr val="FFFFFF"/>
-              </a:effectRef>
-              <a:fontRef idx="minor">
-                <a:schemeClr val="lt1"/>
-              </a:fontRef>
-            </p:style>
-            <p:txBody>
-              <a:bodyPr rtlCol="0" anchor="ctr"/>
-              <a:p>
-                <a:pPr algn="ctr">
-                  <a:buClrTx/>
-                  <a:buSzTx/>
-                  <a:buFontTx/>
-                </a:pPr>
-                <a:r>
-                  <a:rPr lang="en-US" altLang="zh-CN" sz="1600">
-                    <a:solidFill>
-                      <a:schemeClr val="tx1"/>
-                    </a:solidFill>
-                    <a:latin typeface="Times New Roman" panose="02020603050405020304" charset="0"/>
-                    <a:ea typeface="微软雅黑" panose="020B0503020204020204" charset="-122"/>
-                    <a:cs typeface="Times New Roman" panose="02020603050405020304" charset="0"/>
-                  </a:rPr>
-                  <a:t>Bootstrap</a:t>
-                </a:r>
-                <a:endParaRPr lang="en-US" altLang="zh-CN" sz="1600">
-                  <a:solidFill>
-                    <a:schemeClr val="tx1"/>
-                  </a:solidFill>
-                  <a:latin typeface="Times New Roman" panose="02020603050405020304" charset="0"/>
-                  <a:ea typeface="微软雅黑" panose="020B0503020204020204" charset="-122"/>
-                  <a:cs typeface="Times New Roman" panose="02020603050405020304" charset="0"/>
-                </a:endParaRPr>
-              </a:p>
-            </p:txBody>
-          </p:sp>
-        </p:grpSp>
-        <p:grpSp>
-          <p:nvGrpSpPr>
-            <p:cNvPr id="39" name="组合 38"/>
-            <p:cNvGrpSpPr/>
-            <p:nvPr/>
-          </p:nvGrpSpPr>
-          <p:grpSpPr>
-            <a:xfrm rot="0">
-              <a:off x="5736" y="4570"/>
-              <a:ext cx="8178" cy="834"/>
-              <a:chOff x="5684" y="3654"/>
-              <a:chExt cx="8178" cy="834"/>
-            </a:xfrm>
-          </p:grpSpPr>
-          <p:sp>
-            <p:nvSpPr>
-              <p:cNvPr id="40" name="矩形 39"/>
-              <p:cNvSpPr/>
-              <p:nvPr/>
-            </p:nvSpPr>
-            <p:spPr>
-              <a:xfrm>
-                <a:off x="5684" y="3654"/>
-                <a:ext cx="1923" cy="832"/>
-              </a:xfrm>
-              <a:prstGeom prst="rect">
-                <a:avLst/>
-              </a:prstGeom>
-              <a:ln>
-                <a:noFill/>
-              </a:ln>
-            </p:spPr>
-            <p:style>
-              <a:lnRef idx="2">
-                <a:schemeClr val="accent1">
-                  <a:lumMod val="75000"/>
-                </a:schemeClr>
-              </a:lnRef>
-              <a:fillRef idx="1">
-                <a:schemeClr val="accent1"/>
-              </a:fillRef>
-              <a:effectRef idx="0">
-                <a:srgbClr val="FFFFFF"/>
-              </a:effectRef>
-              <a:fontRef idx="minor">
-                <a:schemeClr val="lt1"/>
-              </a:fontRef>
-            </p:style>
-            <p:txBody>
-              <a:bodyPr rtlCol="0" anchor="ctr"/>
-              <a:p>
-                <a:pPr algn="ctr">
-                  <a:buClrTx/>
-                  <a:buSzTx/>
-                  <a:buFontTx/>
-                </a:pPr>
-                <a:r>
-                  <a:rPr lang="zh-CN" altLang="en-US" sz="1600" b="1">
-                    <a:latin typeface="微软雅黑" panose="020B0503020204020204" charset="-122"/>
-                    <a:ea typeface="微软雅黑" panose="020B0503020204020204" charset="-122"/>
-                    <a:cs typeface="微软雅黑" panose="020B0503020204020204" charset="-122"/>
-                  </a:rPr>
-                  <a:t>控制层</a:t>
-                </a:r>
-                <a:endParaRPr lang="zh-CN" altLang="en-US" sz="1600" b="1">
-                  <a:latin typeface="微软雅黑" panose="020B0503020204020204" charset="-122"/>
-                  <a:ea typeface="微软雅黑" panose="020B0503020204020204" charset="-122"/>
-                  <a:cs typeface="微软雅黑" panose="020B0503020204020204" charset="-122"/>
-                </a:endParaRPr>
-              </a:p>
-            </p:txBody>
-          </p:sp>
-          <p:sp>
-            <p:nvSpPr>
-              <p:cNvPr id="41" name="圆角矩形 40"/>
-              <p:cNvSpPr/>
-              <p:nvPr/>
-            </p:nvSpPr>
-            <p:spPr>
-              <a:xfrm>
-                <a:off x="7900" y="3654"/>
-                <a:ext cx="2497" cy="834"/>
-              </a:xfrm>
-              <a:prstGeom prst="roundRect">
-                <a:avLst/>
-              </a:prstGeom>
-              <a:noFill/>
-              <a:extLst>
-                <a:ext uri="{909E8E84-426E-40DD-AFC4-6F175D3DCCD1}">
-                  <a14:hiddenFill xmlns:a14="http://schemas.microsoft.com/office/drawing/2010/main">
-                    <a:solidFill>
-                      <a:schemeClr val="accent1"/>
-                    </a:solidFill>
-                  </a14:hiddenFill>
-                </a:ext>
-              </a:extLst>
-            </p:spPr>
-            <p:style>
-              <a:lnRef idx="2">
-                <a:schemeClr val="accent1">
-                  <a:lumMod val="75000"/>
-                </a:schemeClr>
-              </a:lnRef>
-              <a:fillRef idx="1">
-                <a:schemeClr val="accent1"/>
-              </a:fillRef>
-              <a:effectRef idx="0">
-                <a:srgbClr val="FFFFFF"/>
-              </a:effectRef>
-              <a:fontRef idx="minor">
-                <a:schemeClr val="lt1"/>
-              </a:fontRef>
-            </p:style>
-            <p:txBody>
-              <a:bodyPr rtlCol="0" anchor="ctr"/>
-              <a:p>
-                <a:pPr algn="ctr">
-                  <a:buClrTx/>
-                  <a:buSzTx/>
-                  <a:buFontTx/>
-                </a:pPr>
-                <a:r>
-                  <a:rPr lang="en-US" altLang="zh-CN" sz="1600">
-                    <a:solidFill>
-                      <a:schemeClr val="tx1"/>
-                    </a:solidFill>
-                    <a:latin typeface="Times New Roman" panose="02020603050405020304" charset="0"/>
-                    <a:ea typeface="微软雅黑" panose="020B0503020204020204" charset="-122"/>
-                    <a:cs typeface="Times New Roman" panose="02020603050405020304" charset="0"/>
-                    <a:sym typeface="+mn-ea"/>
-                  </a:rPr>
-                  <a:t>Controller</a:t>
-                </a:r>
-                <a:r>
-                  <a:rPr lang="en-US" altLang="zh-CN" sz="1600">
-                    <a:solidFill>
-                      <a:schemeClr val="tx1"/>
-                    </a:solidFill>
-                    <a:latin typeface="微软雅黑" panose="020B0503020204020204" charset="-122"/>
-                    <a:ea typeface="微软雅黑" panose="020B0503020204020204" charset="-122"/>
-                    <a:cs typeface="Times New Roman" panose="02020603050405020304" charset="0"/>
-                    <a:sym typeface="+mn-ea"/>
-                  </a:rPr>
-                  <a:t>类</a:t>
-                </a:r>
-                <a:endParaRPr lang="en-US" altLang="zh-CN" sz="1600">
+                  <a:sym typeface="+mn-ea"/>
+                </a:rPr>
+                <a:t>Controller</a:t>
+              </a:r>
+              <a:r>
+                <a:rPr lang="en-US" altLang="zh-CN" sz="1600">
                   <a:solidFill>
                     <a:schemeClr val="tx1"/>
                   </a:solidFill>
@@ -3949,247 +3909,165 @@
                   <a:ea typeface="微软雅黑" panose="020B0503020204020204" charset="-122"/>
                   <a:cs typeface="Times New Roman" panose="02020603050405020304" charset="0"/>
                   <a:sym typeface="+mn-ea"/>
-                </a:endParaRPr>
-              </a:p>
-            </p:txBody>
-          </p:sp>
-          <p:sp>
-            <p:nvSpPr>
-              <p:cNvPr id="43" name="圆角矩形 42"/>
-              <p:cNvSpPr/>
-              <p:nvPr/>
-            </p:nvSpPr>
-            <p:spPr>
-              <a:xfrm>
-                <a:off x="10690" y="3654"/>
-                <a:ext cx="3172" cy="834"/>
-              </a:xfrm>
-              <a:prstGeom prst="roundRect">
-                <a:avLst/>
-              </a:prstGeom>
+                </a:rPr>
+                <a:t>类</a:t>
+              </a:r>
+              <a:endParaRPr lang="en-US" altLang="zh-CN" sz="1600">
+                <a:solidFill>
+                  <a:schemeClr val="tx1"/>
+                </a:solidFill>
+                <a:latin typeface="微软雅黑" panose="020B0503020204020204" charset="-122"/>
+                <a:ea typeface="微软雅黑" panose="020B0503020204020204" charset="-122"/>
+                <a:cs typeface="Times New Roman" panose="02020603050405020304" charset="0"/>
+                <a:sym typeface="+mn-ea"/>
+              </a:endParaRPr>
+            </a:p>
+          </p:txBody>
+        </p:sp>
+      </p:grpSp>
+      <p:grpSp>
+        <p:nvGrpSpPr>
+          <p:cNvPr id="46" name="组合 45"/>
+          <p:cNvGrpSpPr/>
+          <p:nvPr/>
+        </p:nvGrpSpPr>
+        <p:grpSpPr>
+          <a:xfrm rot="0">
+            <a:off x="3641090" y="3669665"/>
+            <a:ext cx="5193030" cy="529590"/>
+            <a:chOff x="5684" y="3654"/>
+            <a:chExt cx="4713" cy="834"/>
+          </a:xfrm>
+        </p:grpSpPr>
+        <p:sp>
+          <p:nvSpPr>
+            <p:cNvPr id="47" name="矩形 46"/>
+            <p:cNvSpPr/>
+            <p:nvPr/>
+          </p:nvSpPr>
+          <p:spPr>
+            <a:xfrm>
+              <a:off x="5684" y="3654"/>
+              <a:ext cx="1108" cy="832"/>
+            </a:xfrm>
+            <a:prstGeom prst="rect">
+              <a:avLst/>
+            </a:prstGeom>
+            <a:ln>
               <a:noFill/>
-              <a:extLst>
-                <a:ext uri="{909E8E84-426E-40DD-AFC4-6F175D3DCCD1}">
-                  <a14:hiddenFill xmlns:a14="http://schemas.microsoft.com/office/drawing/2010/main">
-                    <a:solidFill>
-                      <a:schemeClr val="accent1"/>
-                    </a:solidFill>
-                  </a14:hiddenFill>
-                </a:ext>
-              </a:extLst>
-            </p:spPr>
-            <p:style>
-              <a:lnRef idx="2">
-                <a:schemeClr val="accent1">
-                  <a:lumMod val="75000"/>
-                </a:schemeClr>
-              </a:lnRef>
-              <a:fillRef idx="1">
-                <a:schemeClr val="accent1"/>
-              </a:fillRef>
-              <a:effectRef idx="0">
-                <a:srgbClr val="FFFFFF"/>
-              </a:effectRef>
-              <a:fontRef idx="minor">
-                <a:schemeClr val="lt1"/>
-              </a:fontRef>
-            </p:style>
-            <p:txBody>
-              <a:bodyPr rtlCol="0" anchor="ctr"/>
-              <a:p>
-                <a:pPr algn="ctr">
-                  <a:buClrTx/>
-                  <a:buSzTx/>
-                  <a:buFontTx/>
-                </a:pPr>
-                <a:r>
-                  <a:rPr lang="en-US" altLang="zh-CN" sz="1600">
-                    <a:solidFill>
-                      <a:schemeClr val="tx1"/>
-                    </a:solidFill>
-                    <a:latin typeface="Times New Roman" panose="02020603050405020304" charset="0"/>
-                    <a:ea typeface="微软雅黑" panose="020B0503020204020204" charset="-122"/>
-                    <a:cs typeface="Times New Roman" panose="02020603050405020304" charset="0"/>
-                  </a:rPr>
-                  <a:t>S</a:t>
-                </a:r>
-                <a:r>
-                  <a:rPr lang="en-US" altLang="zh-CN" sz="1600">
-                    <a:solidFill>
-                      <a:schemeClr val="tx1"/>
-                    </a:solidFill>
-                    <a:latin typeface="Times New Roman" panose="02020603050405020304" charset="0"/>
-                    <a:ea typeface="微软雅黑" panose="020B0503020204020204" charset="-122"/>
-                    <a:cs typeface="Times New Roman" panose="02020603050405020304" charset="0"/>
-                  </a:rPr>
-                  <a:t>pring MVC</a:t>
-                </a:r>
-                <a:endParaRPr lang="en-US" altLang="zh-CN" sz="1600">
+            </a:ln>
+          </p:spPr>
+          <p:style>
+            <a:lnRef idx="2">
+              <a:schemeClr val="accent1">
+                <a:lumMod val="75000"/>
+              </a:schemeClr>
+            </a:lnRef>
+            <a:fillRef idx="1">
+              <a:schemeClr val="accent1"/>
+            </a:fillRef>
+            <a:effectRef idx="0">
+              <a:srgbClr val="FFFFFF"/>
+            </a:effectRef>
+            <a:fontRef idx="minor">
+              <a:schemeClr val="lt1"/>
+            </a:fontRef>
+          </p:style>
+          <p:txBody>
+            <a:bodyPr rtlCol="0" anchor="ctr"/>
+            <a:p>
+              <a:pPr algn="ctr">
+                <a:buClrTx/>
+                <a:buSzTx/>
+                <a:buFontTx/>
+              </a:pPr>
+              <a:r>
+                <a:rPr lang="zh-CN" altLang="en-US" sz="1600" b="1">
+                  <a:latin typeface="微软雅黑" panose="020B0503020204020204" charset="-122"/>
+                  <a:ea typeface="微软雅黑" panose="020B0503020204020204" charset="-122"/>
+                  <a:cs typeface="微软雅黑" panose="020B0503020204020204" charset="-122"/>
+                </a:rPr>
+                <a:t>业务逻辑</a:t>
+              </a:r>
+              <a:r>
+                <a:rPr lang="zh-CN" altLang="en-US" sz="1600" b="1">
+                  <a:latin typeface="微软雅黑" panose="020B0503020204020204" charset="-122"/>
+                  <a:ea typeface="微软雅黑" panose="020B0503020204020204" charset="-122"/>
+                  <a:cs typeface="微软雅黑" panose="020B0503020204020204" charset="-122"/>
+                </a:rPr>
+                <a:t>层</a:t>
+              </a:r>
+              <a:endParaRPr lang="zh-CN" altLang="en-US" sz="1600" b="1">
+                <a:latin typeface="微软雅黑" panose="020B0503020204020204" charset="-122"/>
+                <a:ea typeface="微软雅黑" panose="020B0503020204020204" charset="-122"/>
+                <a:cs typeface="微软雅黑" panose="020B0503020204020204" charset="-122"/>
+              </a:endParaRPr>
+            </a:p>
+          </p:txBody>
+        </p:sp>
+        <p:sp>
+          <p:nvSpPr>
+            <p:cNvPr id="48" name="圆角矩形 47"/>
+            <p:cNvSpPr/>
+            <p:nvPr/>
+          </p:nvSpPr>
+          <p:spPr>
+            <a:xfrm>
+              <a:off x="6961" y="3654"/>
+              <a:ext cx="3436" cy="834"/>
+            </a:xfrm>
+            <a:prstGeom prst="roundRect">
+              <a:avLst/>
+            </a:prstGeom>
+            <a:noFill/>
+            <a:extLst>
+              <a:ext uri="{909E8E84-426E-40DD-AFC4-6F175D3DCCD1}">
+                <a14:hiddenFill xmlns:a14="http://schemas.microsoft.com/office/drawing/2010/main">
+                  <a:solidFill>
+                    <a:schemeClr val="accent1"/>
+                  </a:solidFill>
+                </a14:hiddenFill>
+              </a:ext>
+            </a:extLst>
+          </p:spPr>
+          <p:style>
+            <a:lnRef idx="2">
+              <a:schemeClr val="accent1">
+                <a:lumMod val="75000"/>
+              </a:schemeClr>
+            </a:lnRef>
+            <a:fillRef idx="1">
+              <a:schemeClr val="accent1"/>
+            </a:fillRef>
+            <a:effectRef idx="0">
+              <a:srgbClr val="FFFFFF"/>
+            </a:effectRef>
+            <a:fontRef idx="minor">
+              <a:schemeClr val="lt1"/>
+            </a:fontRef>
+          </p:style>
+          <p:txBody>
+            <a:bodyPr rtlCol="0" anchor="ctr"/>
+            <a:p>
+              <a:pPr algn="ctr">
+                <a:buClrTx/>
+                <a:buSzTx/>
+                <a:buFontTx/>
+              </a:pPr>
+              <a:r>
+                <a:rPr lang="en-US" altLang="zh-CN" sz="1600">
                   <a:solidFill>
                     <a:schemeClr val="tx1"/>
                   </a:solidFill>
                   <a:latin typeface="Times New Roman" panose="02020603050405020304" charset="0"/>
                   <a:ea typeface="微软雅黑" panose="020B0503020204020204" charset="-122"/>
                   <a:cs typeface="Times New Roman" panose="02020603050405020304" charset="0"/>
-                </a:endParaRPr>
-              </a:p>
-            </p:txBody>
-          </p:sp>
-        </p:grpSp>
-        <p:grpSp>
-          <p:nvGrpSpPr>
-            <p:cNvPr id="46" name="组合 45"/>
-            <p:cNvGrpSpPr/>
-            <p:nvPr/>
-          </p:nvGrpSpPr>
-          <p:grpSpPr>
-            <a:xfrm rot="0">
-              <a:off x="5734" y="5779"/>
-              <a:ext cx="8178" cy="834"/>
-              <a:chOff x="5684" y="3654"/>
-              <a:chExt cx="8178" cy="834"/>
-            </a:xfrm>
-          </p:grpSpPr>
-          <p:sp>
-            <p:nvSpPr>
-              <p:cNvPr id="47" name="矩形 46"/>
-              <p:cNvSpPr/>
-              <p:nvPr/>
-            </p:nvSpPr>
-            <p:spPr>
-              <a:xfrm>
-                <a:off x="5684" y="3654"/>
-                <a:ext cx="1923" cy="832"/>
-              </a:xfrm>
-              <a:prstGeom prst="rect">
-                <a:avLst/>
-              </a:prstGeom>
-              <a:ln>
-                <a:noFill/>
-              </a:ln>
-            </p:spPr>
-            <p:style>
-              <a:lnRef idx="2">
-                <a:schemeClr val="accent1">
-                  <a:lumMod val="75000"/>
-                </a:schemeClr>
-              </a:lnRef>
-              <a:fillRef idx="1">
-                <a:schemeClr val="accent1"/>
-              </a:fillRef>
-              <a:effectRef idx="0">
-                <a:srgbClr val="FFFFFF"/>
-              </a:effectRef>
-              <a:fontRef idx="minor">
-                <a:schemeClr val="lt1"/>
-              </a:fontRef>
-            </p:style>
-            <p:txBody>
-              <a:bodyPr rtlCol="0" anchor="ctr"/>
-              <a:p>
-                <a:pPr algn="ctr">
-                  <a:buClrTx/>
-                  <a:buSzTx/>
-                  <a:buFontTx/>
-                </a:pPr>
-                <a:r>
-                  <a:rPr lang="zh-CN" altLang="en-US" sz="1600" b="1">
-                    <a:latin typeface="微软雅黑" panose="020B0503020204020204" charset="-122"/>
-                    <a:ea typeface="微软雅黑" panose="020B0503020204020204" charset="-122"/>
-                    <a:cs typeface="微软雅黑" panose="020B0503020204020204" charset="-122"/>
-                  </a:rPr>
-                  <a:t>业务逻辑</a:t>
-                </a:r>
-                <a:r>
-                  <a:rPr lang="zh-CN" altLang="en-US" sz="1600" b="1">
-                    <a:latin typeface="微软雅黑" panose="020B0503020204020204" charset="-122"/>
-                    <a:ea typeface="微软雅黑" panose="020B0503020204020204" charset="-122"/>
-                    <a:cs typeface="微软雅黑" panose="020B0503020204020204" charset="-122"/>
-                  </a:rPr>
-                  <a:t>层</a:t>
-                </a:r>
-                <a:endParaRPr lang="zh-CN" altLang="en-US" sz="1600" b="1">
-                  <a:latin typeface="微软雅黑" panose="020B0503020204020204" charset="-122"/>
-                  <a:ea typeface="微软雅黑" panose="020B0503020204020204" charset="-122"/>
-                  <a:cs typeface="微软雅黑" panose="020B0503020204020204" charset="-122"/>
-                </a:endParaRPr>
-              </a:p>
-            </p:txBody>
-          </p:sp>
-          <p:sp>
-            <p:nvSpPr>
-              <p:cNvPr id="48" name="圆角矩形 47"/>
-              <p:cNvSpPr/>
-              <p:nvPr/>
-            </p:nvSpPr>
-            <p:spPr>
-              <a:xfrm>
-                <a:off x="7900" y="3654"/>
-                <a:ext cx="2497" cy="834"/>
-              </a:xfrm>
-              <a:prstGeom prst="roundRect">
-                <a:avLst/>
-              </a:prstGeom>
-              <a:noFill/>
-              <a:extLst>
-                <a:ext uri="{909E8E84-426E-40DD-AFC4-6F175D3DCCD1}">
-                  <a14:hiddenFill xmlns:a14="http://schemas.microsoft.com/office/drawing/2010/main">
-                    <a:solidFill>
-                      <a:schemeClr val="accent1"/>
-                    </a:solidFill>
-                  </a14:hiddenFill>
-                </a:ext>
-              </a:extLst>
-            </p:spPr>
-            <p:style>
-              <a:lnRef idx="2">
-                <a:schemeClr val="accent1">
-                  <a:lumMod val="75000"/>
-                </a:schemeClr>
-              </a:lnRef>
-              <a:fillRef idx="1">
-                <a:schemeClr val="accent1"/>
-              </a:fillRef>
-              <a:effectRef idx="0">
-                <a:srgbClr val="FFFFFF"/>
-              </a:effectRef>
-              <a:fontRef idx="minor">
-                <a:schemeClr val="lt1"/>
-              </a:fontRef>
-            </p:style>
-            <p:txBody>
-              <a:bodyPr rtlCol="0" anchor="ctr"/>
-              <a:p>
-                <a:pPr algn="ctr">
-                  <a:buClrTx/>
-                  <a:buSzTx/>
-                  <a:buFontTx/>
-                </a:pPr>
-                <a:r>
-                  <a:rPr lang="en-US" altLang="zh-CN" sz="1600">
-                    <a:solidFill>
-                      <a:schemeClr val="tx1"/>
-                    </a:solidFill>
-                    <a:latin typeface="Times New Roman" panose="02020603050405020304" charset="0"/>
-                    <a:ea typeface="微软雅黑" panose="020B0503020204020204" charset="-122"/>
-                    <a:cs typeface="Times New Roman" panose="02020603050405020304" charset="0"/>
-                    <a:sym typeface="+mn-ea"/>
-                  </a:rPr>
-                  <a:t>Service</a:t>
-                </a:r>
-                <a:r>
-                  <a:rPr lang="en-US" altLang="zh-CN" sz="1600">
-                    <a:solidFill>
-                      <a:schemeClr val="tx1"/>
-                    </a:solidFill>
-                    <a:latin typeface="微软雅黑" panose="020B0503020204020204" charset="-122"/>
-                    <a:ea typeface="微软雅黑" panose="020B0503020204020204" charset="-122"/>
-                    <a:cs typeface="Times New Roman" panose="02020603050405020304" charset="0"/>
-                    <a:sym typeface="+mn-ea"/>
-                  </a:rPr>
-                  <a:t>类</a:t>
-                </a:r>
-                <a:endParaRPr lang="en-US" altLang="zh-CN" sz="1600">
+                  <a:sym typeface="+mn-ea"/>
+                </a:rPr>
+                <a:t>Service</a:t>
+              </a:r>
+              <a:r>
+                <a:rPr lang="en-US" altLang="zh-CN" sz="1600">
                   <a:solidFill>
                     <a:schemeClr val="tx1"/>
                   </a:solidFill>
@@ -4197,248 +4075,335 @@
                   <a:ea typeface="微软雅黑" panose="020B0503020204020204" charset="-122"/>
                   <a:cs typeface="Times New Roman" panose="02020603050405020304" charset="0"/>
                   <a:sym typeface="+mn-ea"/>
-                </a:endParaRPr>
-              </a:p>
-            </p:txBody>
-          </p:sp>
-          <p:sp>
-            <p:nvSpPr>
-              <p:cNvPr id="49" name="圆角矩形 48"/>
-              <p:cNvSpPr/>
-              <p:nvPr/>
-            </p:nvSpPr>
-            <p:spPr>
-              <a:xfrm>
-                <a:off x="10690" y="3654"/>
-                <a:ext cx="3172" cy="834"/>
-              </a:xfrm>
-              <a:prstGeom prst="roundRect">
-                <a:avLst/>
-              </a:prstGeom>
+                </a:rPr>
+                <a:t>类</a:t>
+              </a:r>
+              <a:endParaRPr lang="en-US" altLang="zh-CN" sz="1600">
+                <a:solidFill>
+                  <a:schemeClr val="tx1"/>
+                </a:solidFill>
+                <a:latin typeface="微软雅黑" panose="020B0503020204020204" charset="-122"/>
+                <a:ea typeface="微软雅黑" panose="020B0503020204020204" charset="-122"/>
+                <a:cs typeface="Times New Roman" panose="02020603050405020304" charset="0"/>
+                <a:sym typeface="+mn-ea"/>
+              </a:endParaRPr>
+            </a:p>
+          </p:txBody>
+        </p:sp>
+      </p:grpSp>
+      <p:grpSp>
+        <p:nvGrpSpPr>
+          <p:cNvPr id="52" name="组合 51"/>
+          <p:cNvGrpSpPr/>
+          <p:nvPr/>
+        </p:nvGrpSpPr>
+        <p:grpSpPr>
+          <a:xfrm rot="0">
+            <a:off x="3641090" y="4437380"/>
+            <a:ext cx="5193665" cy="529590"/>
+            <a:chOff x="5684" y="3654"/>
+            <a:chExt cx="8179" cy="834"/>
+          </a:xfrm>
+        </p:grpSpPr>
+        <p:sp>
+          <p:nvSpPr>
+            <p:cNvPr id="53" name="矩形 52"/>
+            <p:cNvSpPr/>
+            <p:nvPr/>
+          </p:nvSpPr>
+          <p:spPr>
+            <a:xfrm>
+              <a:off x="5684" y="3654"/>
+              <a:ext cx="1923" cy="832"/>
+            </a:xfrm>
+            <a:prstGeom prst="rect">
+              <a:avLst/>
+            </a:prstGeom>
+            <a:ln>
               <a:noFill/>
-              <a:extLst>
-                <a:ext uri="{909E8E84-426E-40DD-AFC4-6F175D3DCCD1}">
-                  <a14:hiddenFill xmlns:a14="http://schemas.microsoft.com/office/drawing/2010/main">
-                    <a:solidFill>
-                      <a:schemeClr val="accent1"/>
-                    </a:solidFill>
-                  </a14:hiddenFill>
-                </a:ext>
-              </a:extLst>
-            </p:spPr>
-            <p:style>
-              <a:lnRef idx="2">
-                <a:schemeClr val="accent1">
-                  <a:lumMod val="75000"/>
-                </a:schemeClr>
-              </a:lnRef>
-              <a:fillRef idx="1">
-                <a:schemeClr val="accent1"/>
-              </a:fillRef>
-              <a:effectRef idx="0">
-                <a:srgbClr val="FFFFFF"/>
-              </a:effectRef>
-              <a:fontRef idx="minor">
-                <a:schemeClr val="lt1"/>
-              </a:fontRef>
-            </p:style>
-            <p:txBody>
-              <a:bodyPr rtlCol="0" anchor="ctr"/>
-              <a:p>
-                <a:pPr algn="ctr">
-                  <a:buClrTx/>
-                  <a:buSzTx/>
-                  <a:buFontTx/>
-                </a:pPr>
-                <a:r>
-                  <a:rPr lang="en-US" altLang="zh-CN" sz="1600">
-                    <a:solidFill>
-                      <a:schemeClr val="tx1"/>
-                    </a:solidFill>
-                    <a:latin typeface="Times New Roman" panose="02020603050405020304" charset="0"/>
-                    <a:ea typeface="微软雅黑" panose="020B0503020204020204" charset="-122"/>
-                    <a:cs typeface="Times New Roman" panose="02020603050405020304" charset="0"/>
-                  </a:rPr>
-                  <a:t>S</a:t>
-                </a:r>
-                <a:r>
-                  <a:rPr lang="en-US" altLang="zh-CN" sz="1600">
-                    <a:solidFill>
-                      <a:schemeClr val="tx1"/>
-                    </a:solidFill>
-                    <a:latin typeface="Times New Roman" panose="02020603050405020304" charset="0"/>
-                    <a:ea typeface="微软雅黑" panose="020B0503020204020204" charset="-122"/>
-                    <a:cs typeface="Times New Roman" panose="02020603050405020304" charset="0"/>
-                  </a:rPr>
-                  <a:t>pring</a:t>
-                </a:r>
-                <a:endParaRPr lang="en-US" altLang="zh-CN" sz="1600">
+            </a:ln>
+          </p:spPr>
+          <p:style>
+            <a:lnRef idx="2">
+              <a:schemeClr val="accent1">
+                <a:lumMod val="75000"/>
+              </a:schemeClr>
+            </a:lnRef>
+            <a:fillRef idx="1">
+              <a:schemeClr val="accent1"/>
+            </a:fillRef>
+            <a:effectRef idx="0">
+              <a:srgbClr val="FFFFFF"/>
+            </a:effectRef>
+            <a:fontRef idx="minor">
+              <a:schemeClr val="lt1"/>
+            </a:fontRef>
+          </p:style>
+          <p:txBody>
+            <a:bodyPr rtlCol="0" anchor="ctr"/>
+            <a:p>
+              <a:pPr algn="ctr">
+                <a:buClrTx/>
+                <a:buSzTx/>
+                <a:buFontTx/>
+              </a:pPr>
+              <a:r>
+                <a:rPr lang="zh-CN" altLang="en-US" sz="1600" b="1">
+                  <a:latin typeface="微软雅黑" panose="020B0503020204020204" charset="-122"/>
+                  <a:ea typeface="微软雅黑" panose="020B0503020204020204" charset="-122"/>
+                  <a:cs typeface="微软雅黑" panose="020B0503020204020204" charset="-122"/>
+                </a:rPr>
+                <a:t>数据</a:t>
+              </a:r>
+              <a:r>
+                <a:rPr lang="zh-CN" altLang="en-US" sz="1600" b="1">
+                  <a:latin typeface="微软雅黑" panose="020B0503020204020204" charset="-122"/>
+                  <a:ea typeface="微软雅黑" panose="020B0503020204020204" charset="-122"/>
+                  <a:cs typeface="微软雅黑" panose="020B0503020204020204" charset="-122"/>
+                </a:rPr>
+                <a:t>访问层</a:t>
+              </a:r>
+              <a:endParaRPr lang="zh-CN" altLang="en-US" sz="1600" b="1">
+                <a:latin typeface="微软雅黑" panose="020B0503020204020204" charset="-122"/>
+                <a:ea typeface="微软雅黑" panose="020B0503020204020204" charset="-122"/>
+                <a:cs typeface="微软雅黑" panose="020B0503020204020204" charset="-122"/>
+              </a:endParaRPr>
+            </a:p>
+          </p:txBody>
+        </p:sp>
+        <p:sp>
+          <p:nvSpPr>
+            <p:cNvPr id="54" name="圆角矩形 53"/>
+            <p:cNvSpPr/>
+            <p:nvPr/>
+          </p:nvSpPr>
+          <p:spPr>
+            <a:xfrm>
+              <a:off x="7900" y="3654"/>
+              <a:ext cx="5963" cy="834"/>
+            </a:xfrm>
+            <a:prstGeom prst="roundRect">
+              <a:avLst/>
+            </a:prstGeom>
+            <a:noFill/>
+            <a:extLst>
+              <a:ext uri="{909E8E84-426E-40DD-AFC4-6F175D3DCCD1}">
+                <a14:hiddenFill xmlns:a14="http://schemas.microsoft.com/office/drawing/2010/main">
+                  <a:solidFill>
+                    <a:schemeClr val="accent1"/>
+                  </a:solidFill>
+                </a14:hiddenFill>
+              </a:ext>
+            </a:extLst>
+          </p:spPr>
+          <p:style>
+            <a:lnRef idx="2">
+              <a:schemeClr val="accent1">
+                <a:lumMod val="75000"/>
+              </a:schemeClr>
+            </a:lnRef>
+            <a:fillRef idx="1">
+              <a:schemeClr val="accent1"/>
+            </a:fillRef>
+            <a:effectRef idx="0">
+              <a:srgbClr val="FFFFFF"/>
+            </a:effectRef>
+            <a:fontRef idx="minor">
+              <a:schemeClr val="lt1"/>
+            </a:fontRef>
+          </p:style>
+          <p:txBody>
+            <a:bodyPr rtlCol="0" anchor="ctr"/>
+            <a:p>
+              <a:pPr algn="ctr">
+                <a:buClrTx/>
+                <a:buSzTx/>
+                <a:buFontTx/>
+              </a:pPr>
+              <a:r>
+                <a:rPr lang="en-US" altLang="zh-CN" sz="1600">
                   <a:solidFill>
                     <a:schemeClr val="tx1"/>
                   </a:solidFill>
                   <a:latin typeface="Times New Roman" panose="02020603050405020304" charset="0"/>
                   <a:ea typeface="微软雅黑" panose="020B0503020204020204" charset="-122"/>
                   <a:cs typeface="Times New Roman" panose="02020603050405020304" charset="0"/>
-                </a:endParaRPr>
-              </a:p>
-            </p:txBody>
-          </p:sp>
-        </p:grpSp>
-        <p:grpSp>
-          <p:nvGrpSpPr>
-            <p:cNvPr id="52" name="组合 51"/>
-            <p:cNvGrpSpPr/>
-            <p:nvPr/>
-          </p:nvGrpSpPr>
-          <p:grpSpPr>
-            <a:xfrm rot="0">
-              <a:off x="5734" y="6988"/>
-              <a:ext cx="8179" cy="834"/>
-              <a:chOff x="5684" y="3654"/>
-              <a:chExt cx="8179" cy="834"/>
-            </a:xfrm>
-          </p:grpSpPr>
-          <p:sp>
-            <p:nvSpPr>
-              <p:cNvPr id="53" name="矩形 52"/>
-              <p:cNvSpPr/>
-              <p:nvPr/>
-            </p:nvSpPr>
-            <p:spPr>
-              <a:xfrm>
-                <a:off x="5684" y="3654"/>
-                <a:ext cx="1923" cy="832"/>
-              </a:xfrm>
-              <a:prstGeom prst="rect">
-                <a:avLst/>
-              </a:prstGeom>
-              <a:ln>
-                <a:noFill/>
-              </a:ln>
-            </p:spPr>
-            <p:style>
-              <a:lnRef idx="2">
-                <a:schemeClr val="accent1">
-                  <a:lumMod val="75000"/>
-                </a:schemeClr>
-              </a:lnRef>
-              <a:fillRef idx="1">
-                <a:schemeClr val="accent1"/>
-              </a:fillRef>
-              <a:effectRef idx="0">
-                <a:srgbClr val="FFFFFF"/>
-              </a:effectRef>
-              <a:fontRef idx="minor">
-                <a:schemeClr val="lt1"/>
-              </a:fontRef>
-            </p:style>
-            <p:txBody>
-              <a:bodyPr rtlCol="0" anchor="ctr"/>
-              <a:p>
-                <a:pPr algn="ctr">
-                  <a:buClrTx/>
-                  <a:buSzTx/>
-                  <a:buFontTx/>
-                </a:pPr>
-                <a:r>
-                  <a:rPr lang="zh-CN" altLang="en-US" sz="1600" b="1">
-                    <a:latin typeface="微软雅黑" panose="020B0503020204020204" charset="-122"/>
-                    <a:ea typeface="微软雅黑" panose="020B0503020204020204" charset="-122"/>
-                    <a:cs typeface="微软雅黑" panose="020B0503020204020204" charset="-122"/>
-                  </a:rPr>
-                  <a:t>数据持久</a:t>
-                </a:r>
-                <a:r>
-                  <a:rPr lang="zh-CN" altLang="en-US" sz="1600" b="1">
-                    <a:latin typeface="微软雅黑" panose="020B0503020204020204" charset="-122"/>
-                    <a:ea typeface="微软雅黑" panose="020B0503020204020204" charset="-122"/>
-                    <a:cs typeface="微软雅黑" panose="020B0503020204020204" charset="-122"/>
-                  </a:rPr>
-                  <a:t>层</a:t>
-                </a:r>
-                <a:endParaRPr lang="zh-CN" altLang="en-US" sz="1600" b="1">
-                  <a:latin typeface="微软雅黑" panose="020B0503020204020204" charset="-122"/>
-                  <a:ea typeface="微软雅黑" panose="020B0503020204020204" charset="-122"/>
-                  <a:cs typeface="微软雅黑" panose="020B0503020204020204" charset="-122"/>
-                </a:endParaRPr>
-              </a:p>
-            </p:txBody>
-          </p:sp>
-          <p:sp>
-            <p:nvSpPr>
-              <p:cNvPr id="54" name="圆角矩形 53"/>
-              <p:cNvSpPr/>
-              <p:nvPr/>
-            </p:nvSpPr>
-            <p:spPr>
-              <a:xfrm>
-                <a:off x="7900" y="3654"/>
-                <a:ext cx="5963" cy="834"/>
-              </a:xfrm>
-              <a:prstGeom prst="roundRect">
-                <a:avLst/>
-              </a:prstGeom>
-              <a:noFill/>
-              <a:extLst>
-                <a:ext uri="{909E8E84-426E-40DD-AFC4-6F175D3DCCD1}">
-                  <a14:hiddenFill xmlns:a14="http://schemas.microsoft.com/office/drawing/2010/main">
-                    <a:solidFill>
-                      <a:schemeClr val="accent1"/>
-                    </a:solidFill>
-                  </a14:hiddenFill>
-                </a:ext>
-              </a:extLst>
-            </p:spPr>
-            <p:style>
-              <a:lnRef idx="2">
-                <a:schemeClr val="accent1">
-                  <a:lumMod val="75000"/>
-                </a:schemeClr>
-              </a:lnRef>
-              <a:fillRef idx="1">
-                <a:schemeClr val="accent1"/>
-              </a:fillRef>
-              <a:effectRef idx="0">
-                <a:srgbClr val="FFFFFF"/>
-              </a:effectRef>
-              <a:fontRef idx="minor">
-                <a:schemeClr val="lt1"/>
-              </a:fontRef>
-            </p:style>
-            <p:txBody>
-              <a:bodyPr rtlCol="0" anchor="ctr"/>
-              <a:p>
-                <a:pPr algn="ctr">
-                  <a:buClrTx/>
-                  <a:buSzTx/>
-                  <a:buFontTx/>
-                </a:pPr>
-                <a:r>
-                  <a:rPr lang="en-US" altLang="zh-CN" sz="1600">
-                    <a:solidFill>
-                      <a:schemeClr val="tx1"/>
-                    </a:solidFill>
-                    <a:latin typeface="Times New Roman" panose="02020603050405020304" charset="0"/>
-                    <a:ea typeface="微软雅黑" panose="020B0503020204020204" charset="-122"/>
-                    <a:cs typeface="Times New Roman" panose="02020603050405020304" charset="0"/>
-                    <a:sym typeface="+mn-ea"/>
-                  </a:rPr>
-                  <a:t>Mybatis-plus</a:t>
-                </a:r>
-                <a:endParaRPr lang="en-US" altLang="zh-CN" sz="1600">
-                  <a:solidFill>
-                    <a:schemeClr val="tx1"/>
-                  </a:solidFill>
-                  <a:latin typeface="微软雅黑" panose="020B0503020204020204" charset="-122"/>
-                  <a:ea typeface="微软雅黑" panose="020B0503020204020204" charset="-122"/>
-                  <a:cs typeface="Times New Roman" panose="02020603050405020304" charset="0"/>
                   <a:sym typeface="+mn-ea"/>
-                </a:endParaRPr>
-              </a:p>
-            </p:txBody>
-          </p:sp>
-        </p:grpSp>
+                </a:rPr>
+                <a:t>MyBatis-Plus</a:t>
+              </a:r>
+              <a:endParaRPr lang="en-US" altLang="zh-CN" sz="1600">
+                <a:solidFill>
+                  <a:schemeClr val="tx1"/>
+                </a:solidFill>
+                <a:latin typeface="微软雅黑" panose="020B0503020204020204" charset="-122"/>
+                <a:ea typeface="微软雅黑" panose="020B0503020204020204" charset="-122"/>
+                <a:cs typeface="Times New Roman" panose="02020603050405020304" charset="0"/>
+                <a:sym typeface="+mn-ea"/>
+              </a:endParaRPr>
+            </a:p>
+          </p:txBody>
+        </p:sp>
       </p:grpSp>
+      <p:sp>
+        <p:nvSpPr>
+          <p:cNvPr id="2" name="文本框 1"/>
+          <p:cNvSpPr txBox="1"/>
+          <p:nvPr/>
+        </p:nvSpPr>
+        <p:spPr>
+          <a:xfrm>
+            <a:off x="9206865" y="2214245"/>
+            <a:ext cx="4064000" cy="368300"/>
+          </a:xfrm>
+          <a:prstGeom prst="rect">
+            <a:avLst/>
+          </a:prstGeom>
+          <a:noFill/>
+        </p:spPr>
+        <p:txBody>
+          <a:bodyPr wrap="square" rtlCol="0">
+            <a:spAutoFit/>
+          </a:bodyPr>
+          <a:p>
+            <a:r>
+              <a:rPr lang="en-US" altLang="zh-CN"/>
+              <a:t>A</a:t>
+            </a:r>
+            <a:r>
+              <a:rPr lang="en-US" altLang="zh-CN"/>
+              <a:t>xios</a:t>
+            </a:r>
+            <a:endParaRPr lang="en-US" altLang="zh-CN"/>
+          </a:p>
+        </p:txBody>
+      </p:sp>
+      <p:sp>
+        <p:nvSpPr>
+          <p:cNvPr id="3" name="文本框 2"/>
+          <p:cNvSpPr txBox="1"/>
+          <p:nvPr/>
+        </p:nvSpPr>
+        <p:spPr>
+          <a:xfrm>
+            <a:off x="9206865" y="3308985"/>
+            <a:ext cx="4064000" cy="368300"/>
+          </a:xfrm>
+          <a:prstGeom prst="rect">
+            <a:avLst/>
+          </a:prstGeom>
+          <a:noFill/>
+        </p:spPr>
+        <p:txBody>
+          <a:bodyPr wrap="square" rtlCol="0">
+            <a:spAutoFit/>
+          </a:bodyPr>
+          <a:p>
+            <a:r>
+              <a:rPr lang="en-US" altLang="zh-CN"/>
+              <a:t>SpringSecurity</a:t>
+            </a:r>
+            <a:r>
+              <a:rPr lang="zh-CN" altLang="en-US"/>
+              <a:t>和</a:t>
+            </a:r>
+            <a:r>
+              <a:rPr lang="en-US" altLang="zh-CN"/>
+              <a:t>JWT</a:t>
+            </a:r>
+            <a:r>
+              <a:rPr lang="zh-CN" altLang="en-US"/>
+              <a:t>验证</a:t>
+            </a:r>
+            <a:endParaRPr lang="zh-CN" altLang="en-US"/>
+          </a:p>
+        </p:txBody>
+      </p:sp>
+      <p:sp>
+        <p:nvSpPr>
+          <p:cNvPr id="11" name="文本框 10"/>
+          <p:cNvSpPr txBox="1"/>
+          <p:nvPr/>
+        </p:nvSpPr>
+        <p:spPr>
+          <a:xfrm>
+            <a:off x="9206865" y="2663825"/>
+            <a:ext cx="4064000" cy="645160"/>
+          </a:xfrm>
+          <a:prstGeom prst="rect">
+            <a:avLst/>
+          </a:prstGeom>
+          <a:noFill/>
+        </p:spPr>
+        <p:txBody>
+          <a:bodyPr wrap="square" rtlCol="0">
+            <a:spAutoFit/>
+          </a:bodyPr>
+          <a:p>
+            <a:r>
+              <a:rPr lang="en-US" altLang="zh-CN"/>
+              <a:t>Controller</a:t>
+            </a:r>
+            <a:r>
+              <a:rPr lang="zh-CN" altLang="en-US"/>
+              <a:t>类和</a:t>
+            </a:r>
+            <a:r>
+              <a:rPr lang="en-US" altLang="zh-CN"/>
+              <a:t>RestFul</a:t>
+            </a:r>
+            <a:r>
+              <a:rPr lang="zh-CN" altLang="en-US"/>
+              <a:t>接口</a:t>
+            </a:r>
+            <a:endParaRPr lang="zh-CN" altLang="en-US"/>
+          </a:p>
+          <a:p>
+            <a:r>
+              <a:rPr lang="zh-CN" altLang="en-US"/>
+              <a:t>是什么</a:t>
+            </a:r>
+            <a:r>
+              <a:rPr lang="zh-CN" altLang="en-US"/>
+              <a:t>关系</a:t>
+            </a:r>
+            <a:endParaRPr lang="zh-CN" altLang="en-US"/>
+          </a:p>
+        </p:txBody>
+      </p:sp>
+      <p:sp>
+        <p:nvSpPr>
+          <p:cNvPr id="17" name="文本框 16"/>
+          <p:cNvSpPr txBox="1"/>
+          <p:nvPr/>
+        </p:nvSpPr>
+        <p:spPr>
+          <a:xfrm>
+            <a:off x="9422765" y="3750310"/>
+            <a:ext cx="4064000" cy="368300"/>
+          </a:xfrm>
+          <a:prstGeom prst="rect">
+            <a:avLst/>
+          </a:prstGeom>
+          <a:noFill/>
+        </p:spPr>
+        <p:txBody>
+          <a:bodyPr wrap="square" rtlCol="0">
+            <a:spAutoFit/>
+          </a:bodyPr>
+          <a:p>
+            <a:r>
+              <a:rPr lang="zh-CN" altLang="en-US"/>
+              <a:t>具体的功能模块</a:t>
+            </a:r>
+            <a:r>
+              <a:rPr lang="zh-CN" altLang="en-US"/>
+              <a:t>名称</a:t>
+            </a:r>
+            <a:endParaRPr lang="zh-CN" altLang="en-US"/>
+          </a:p>
+        </p:txBody>
+      </p:sp>
     </p:spTree>
   </p:cSld>
   <p:clrMapOvr>
